--- a/doc/azocpupidemo3.pptx
+++ b/doc/azocpupidemo3.pptx
@@ -5,14 +5,16 @@
     <p:sldMasterId id="2147483763" r:id="rId1"/>
   </p:sldMasterIdLst>
   <p:notesMasterIdLst>
-    <p:notesMasterId r:id="rId7"/>
+    <p:notesMasterId r:id="rId9"/>
   </p:notesMasterIdLst>
   <p:sldIdLst>
     <p:sldId id="256" r:id="rId2"/>
     <p:sldId id="291" r:id="rId3"/>
-    <p:sldId id="279" r:id="rId4"/>
-    <p:sldId id="295" r:id="rId5"/>
-    <p:sldId id="282" r:id="rId6"/>
+    <p:sldId id="296" r:id="rId4"/>
+    <p:sldId id="297" r:id="rId5"/>
+    <p:sldId id="279" r:id="rId6"/>
+    <p:sldId id="295" r:id="rId7"/>
+    <p:sldId id="282" r:id="rId8"/>
   </p:sldIdLst>
   <p:sldSz cx="12192000" cy="6858000"/>
   <p:notesSz cx="6858000" cy="9144000"/>
@@ -3743,7 +3745,7 @@
           <p:cNvPr id="2" name="Title 1">
             <a:extLst>
               <a:ext uri="{FF2B5EF4-FFF2-40B4-BE49-F238E27FC236}">
-                <a16:creationId xmlns:a16="http://schemas.microsoft.com/office/drawing/2014/main" id="{F11BB6C5-B0BC-284D-B750-03E902999E52}"/>
+                <a16:creationId xmlns:a16="http://schemas.microsoft.com/office/drawing/2014/main" id="{9F3C3CD2-6A8A-0F4F-85E4-83F955BD1C4D}"/>
               </a:ext>
             </a:extLst>
           </p:cNvPr>
@@ -3761,115 +3763,52 @@
           <a:p>
             <a:r>
               <a:rPr lang="en-US" dirty="0"/>
-              <a:t>Current Status</a:t>
-            </a:r>
-          </a:p>
-        </p:txBody>
-      </p:sp>
-      <p:sp>
-        <p:nvSpPr>
-          <p:cNvPr id="3" name="Content Placeholder 2">
+              <a:t>Cleanup </a:t>
+            </a:r>
+            <a:r>
+              <a:rPr lang="en-US" dirty="0" err="1"/>
+              <a:t>bootstrap.ign</a:t>
+            </a:r>
+            <a:r>
+              <a:rPr lang="en-US" dirty="0"/>
+              <a:t> after ignition</a:t>
+            </a:r>
+          </a:p>
+        </p:txBody>
+      </p:sp>
+      <p:pic>
+        <p:nvPicPr>
+          <p:cNvPr id="5" name="Content Placeholder 4">
             <a:extLst>
               <a:ext uri="{FF2B5EF4-FFF2-40B4-BE49-F238E27FC236}">
-                <a16:creationId xmlns:a16="http://schemas.microsoft.com/office/drawing/2014/main" id="{F2711C76-5A4E-C342-B33A-483915423E9F}"/>
+                <a16:creationId xmlns:a16="http://schemas.microsoft.com/office/drawing/2014/main" id="{9436639C-2815-8B41-A377-58BC69B6E44E}"/>
               </a:ext>
             </a:extLst>
           </p:cNvPr>
-          <p:cNvSpPr>
-            <a:spLocks noGrp="1"/>
-          </p:cNvSpPr>
+          <p:cNvPicPr>
+            <a:picLocks noGrp="1" noChangeAspect="1"/>
+          </p:cNvPicPr>
           <p:nvPr>
             <p:ph idx="1"/>
           </p:nvPr>
-        </p:nvSpPr>
-        <p:spPr/>
-        <p:txBody>
-          <a:bodyPr>
-            <a:normAutofit/>
-          </a:bodyPr>
-          <a:lstStyle/>
-          <a:p>
-            <a:r>
-              <a:rPr lang="en-US" dirty="0" err="1"/>
-              <a:t>Testings</a:t>
-            </a:r>
-            <a:r>
-              <a:rPr lang="en-US" dirty="0"/>
-              <a:t> Pending</a:t>
-            </a:r>
-          </a:p>
-          <a:p>
-            <a:pPr lvl="1"/>
-            <a:r>
-              <a:rPr lang="en-US" dirty="0"/>
-              <a:t>Azure Cloud Provider</a:t>
-            </a:r>
-          </a:p>
-          <a:p>
-            <a:pPr lvl="1"/>
-            <a:r>
-              <a:rPr lang="en-US" dirty="0"/>
-              <a:t>App Load Balancer/Portal</a:t>
-            </a:r>
-          </a:p>
-          <a:p>
-            <a:r>
-              <a:rPr lang="en-US" dirty="0"/>
-              <a:t>New Cards</a:t>
-            </a:r>
-          </a:p>
-          <a:p>
-            <a:pPr lvl="1"/>
-            <a:r>
-              <a:rPr lang="en-US" dirty="0"/>
-              <a:t>4.3 – Test Bare Metal – In progress</a:t>
-            </a:r>
-          </a:p>
-          <a:p>
-            <a:pPr lvl="1"/>
-            <a:r>
-              <a:rPr lang="en-US" dirty="0"/>
-              <a:t>Introduction/Overview Presentation </a:t>
-            </a:r>
-          </a:p>
-          <a:p>
-            <a:pPr lvl="2"/>
-            <a:r>
-              <a:rPr lang="en-US" dirty="0"/>
-              <a:t>Include How To various subjects</a:t>
-            </a:r>
-          </a:p>
-          <a:p>
-            <a:pPr lvl="3"/>
-            <a:r>
-              <a:rPr lang="en-US" dirty="0"/>
-              <a:t>Changing Internal IP’s</a:t>
-            </a:r>
-          </a:p>
-          <a:p>
-            <a:pPr lvl="3"/>
-            <a:r>
-              <a:rPr lang="en-US" dirty="0"/>
-              <a:t>Changing Versions</a:t>
-            </a:r>
-          </a:p>
-          <a:p>
-            <a:pPr lvl="3"/>
-            <a:r>
-              <a:rPr lang="en-US" dirty="0"/>
-              <a:t>Adding More Workers</a:t>
-            </a:r>
-          </a:p>
-          <a:p>
-            <a:pPr lvl="3"/>
-            <a:endParaRPr lang="en-US" dirty="0"/>
-          </a:p>
-        </p:txBody>
-      </p:sp>
+        </p:nvPicPr>
+        <p:blipFill>
+          <a:blip r:embed="rId2"/>
+          <a:stretch>
+            <a:fillRect/>
+          </a:stretch>
+        </p:blipFill>
+        <p:spPr>
+          <a:xfrm>
+            <a:off x="838200" y="2863610"/>
+            <a:ext cx="10515600" cy="2275367"/>
+          </a:xfrm>
+        </p:spPr>
+      </p:pic>
     </p:spTree>
     <p:extLst>
       <p:ext uri="{BB962C8B-B14F-4D97-AF65-F5344CB8AC3E}">
-        <p14:creationId xmlns:p14="http://schemas.microsoft.com/office/powerpoint/2010/main" val="1385610716"/>
+        <p14:creationId xmlns:p14="http://schemas.microsoft.com/office/powerpoint/2010/main" val="4271701130"/>
       </p:ext>
     </p:extLst>
   </p:cSld>
@@ -3901,6 +3840,271 @@
           <p:cNvPr id="2" name="Title 1">
             <a:extLst>
               <a:ext uri="{FF2B5EF4-FFF2-40B4-BE49-F238E27FC236}">
+                <a16:creationId xmlns:a16="http://schemas.microsoft.com/office/drawing/2014/main" id="{92AD8138-DDCC-9344-9653-60555FFAA265}"/>
+              </a:ext>
+            </a:extLst>
+          </p:cNvPr>
+          <p:cNvSpPr>
+            <a:spLocks noGrp="1"/>
+          </p:cNvSpPr>
+          <p:nvPr>
+            <p:ph type="title"/>
+          </p:nvPr>
+        </p:nvSpPr>
+        <p:spPr/>
+        <p:txBody>
+          <a:bodyPr/>
+          <a:lstStyle/>
+          <a:p>
+            <a:r>
+              <a:rPr lang="en-US" dirty="0"/>
+              <a:t>Minor Enhancements</a:t>
+            </a:r>
+          </a:p>
+        </p:txBody>
+      </p:sp>
+      <p:sp>
+        <p:nvSpPr>
+          <p:cNvPr id="3" name="Content Placeholder 2">
+            <a:extLst>
+              <a:ext uri="{FF2B5EF4-FFF2-40B4-BE49-F238E27FC236}">
+                <a16:creationId xmlns:a16="http://schemas.microsoft.com/office/drawing/2014/main" id="{3FE9B2E6-C4BB-234C-81BB-80AA3CC00F80}"/>
+              </a:ext>
+            </a:extLst>
+          </p:cNvPr>
+          <p:cNvSpPr>
+            <a:spLocks noGrp="1"/>
+          </p:cNvSpPr>
+          <p:nvPr>
+            <p:ph idx="1"/>
+          </p:nvPr>
+        </p:nvSpPr>
+        <p:spPr/>
+        <p:txBody>
+          <a:bodyPr/>
+          <a:lstStyle/>
+          <a:p>
+            <a:r>
+              <a:rPr lang="en-US" dirty="0"/>
+              <a:t>Updated </a:t>
+            </a:r>
+            <a:r>
+              <a:rPr lang="en-US" dirty="0" err="1"/>
+              <a:t>readme.md</a:t>
+            </a:r>
+            <a:r>
+              <a:rPr lang="en-US" dirty="0"/>
+              <a:t> to point to overview</a:t>
+            </a:r>
+          </a:p>
+          <a:p>
+            <a:r>
+              <a:rPr lang="en-US" dirty="0"/>
+              <a:t>Change default region </a:t>
+            </a:r>
+            <a:r>
+              <a:rPr lang="en-US"/>
+              <a:t>to Central US</a:t>
+            </a:r>
+          </a:p>
+          <a:p>
+            <a:endParaRPr lang="en-US"/>
+          </a:p>
+        </p:txBody>
+      </p:sp>
+    </p:spTree>
+    <p:extLst>
+      <p:ext uri="{BB962C8B-B14F-4D97-AF65-F5344CB8AC3E}">
+        <p14:creationId xmlns:p14="http://schemas.microsoft.com/office/powerpoint/2010/main" val="834820805"/>
+      </p:ext>
+    </p:extLst>
+  </p:cSld>
+  <p:clrMapOvr>
+    <a:masterClrMapping/>
+  </p:clrMapOvr>
+</p:sld>
+</file>
+
+<file path=ppt/slides/slide5.xml><?xml version="1.0" encoding="utf-8"?>
+<p:sld xmlns:a="http://schemas.openxmlformats.org/drawingml/2006/main" xmlns:r="http://schemas.openxmlformats.org/officeDocument/2006/relationships" xmlns:p="http://schemas.openxmlformats.org/presentationml/2006/main">
+  <p:cSld>
+    <p:spTree>
+      <p:nvGrpSpPr>
+        <p:cNvPr id="1" name=""/>
+        <p:cNvGrpSpPr/>
+        <p:nvPr/>
+      </p:nvGrpSpPr>
+      <p:grpSpPr>
+        <a:xfrm>
+          <a:off x="0" y="0"/>
+          <a:ext cx="0" cy="0"/>
+          <a:chOff x="0" y="0"/>
+          <a:chExt cx="0" cy="0"/>
+        </a:xfrm>
+      </p:grpSpPr>
+      <p:sp>
+        <p:nvSpPr>
+          <p:cNvPr id="2" name="Title 1">
+            <a:extLst>
+              <a:ext uri="{FF2B5EF4-FFF2-40B4-BE49-F238E27FC236}">
+                <a16:creationId xmlns:a16="http://schemas.microsoft.com/office/drawing/2014/main" id="{F11BB6C5-B0BC-284D-B750-03E902999E52}"/>
+              </a:ext>
+            </a:extLst>
+          </p:cNvPr>
+          <p:cNvSpPr>
+            <a:spLocks noGrp="1"/>
+          </p:cNvSpPr>
+          <p:nvPr>
+            <p:ph type="title"/>
+          </p:nvPr>
+        </p:nvSpPr>
+        <p:spPr/>
+        <p:txBody>
+          <a:bodyPr/>
+          <a:lstStyle/>
+          <a:p>
+            <a:r>
+              <a:rPr lang="en-US" dirty="0"/>
+              <a:t>Current Status</a:t>
+            </a:r>
+          </a:p>
+        </p:txBody>
+      </p:sp>
+      <p:sp>
+        <p:nvSpPr>
+          <p:cNvPr id="3" name="Content Placeholder 2">
+            <a:extLst>
+              <a:ext uri="{FF2B5EF4-FFF2-40B4-BE49-F238E27FC236}">
+                <a16:creationId xmlns:a16="http://schemas.microsoft.com/office/drawing/2014/main" id="{F2711C76-5A4E-C342-B33A-483915423E9F}"/>
+              </a:ext>
+            </a:extLst>
+          </p:cNvPr>
+          <p:cNvSpPr>
+            <a:spLocks noGrp="1"/>
+          </p:cNvSpPr>
+          <p:nvPr>
+            <p:ph idx="1"/>
+          </p:nvPr>
+        </p:nvSpPr>
+        <p:spPr/>
+        <p:txBody>
+          <a:bodyPr>
+            <a:normAutofit/>
+          </a:bodyPr>
+          <a:lstStyle/>
+          <a:p>
+            <a:r>
+              <a:rPr lang="en-US" dirty="0" err="1"/>
+              <a:t>Testings</a:t>
+            </a:r>
+            <a:r>
+              <a:rPr lang="en-US" dirty="0"/>
+              <a:t> Pending</a:t>
+            </a:r>
+          </a:p>
+          <a:p>
+            <a:pPr lvl="1"/>
+            <a:r>
+              <a:rPr lang="en-US" dirty="0"/>
+              <a:t>Azure Cloud Provider</a:t>
+            </a:r>
+          </a:p>
+          <a:p>
+            <a:pPr lvl="1"/>
+            <a:r>
+              <a:rPr lang="en-US" dirty="0"/>
+              <a:t>App Load Balancer/Portal</a:t>
+            </a:r>
+          </a:p>
+          <a:p>
+            <a:r>
+              <a:rPr lang="en-US" dirty="0"/>
+              <a:t>New Cards</a:t>
+            </a:r>
+          </a:p>
+          <a:p>
+            <a:pPr lvl="1"/>
+            <a:r>
+              <a:rPr lang="en-US" dirty="0"/>
+              <a:t>4.3 – Test Bare Metal – In progress</a:t>
+            </a:r>
+          </a:p>
+          <a:p>
+            <a:pPr lvl="1"/>
+            <a:r>
+              <a:rPr lang="en-US" dirty="0"/>
+              <a:t>Introduction/Overview Presentation </a:t>
+            </a:r>
+          </a:p>
+          <a:p>
+            <a:pPr lvl="2"/>
+            <a:r>
+              <a:rPr lang="en-US" dirty="0"/>
+              <a:t>Include How To various subjects</a:t>
+            </a:r>
+          </a:p>
+          <a:p>
+            <a:pPr lvl="3"/>
+            <a:r>
+              <a:rPr lang="en-US" dirty="0"/>
+              <a:t>Changing Internal IP’s</a:t>
+            </a:r>
+          </a:p>
+          <a:p>
+            <a:pPr lvl="3"/>
+            <a:r>
+              <a:rPr lang="en-US" dirty="0"/>
+              <a:t>Changing Versions</a:t>
+            </a:r>
+          </a:p>
+          <a:p>
+            <a:pPr lvl="3"/>
+            <a:r>
+              <a:rPr lang="en-US" dirty="0"/>
+              <a:t>Adding More Workers</a:t>
+            </a:r>
+          </a:p>
+          <a:p>
+            <a:pPr lvl="3"/>
+            <a:endParaRPr lang="en-US" dirty="0"/>
+          </a:p>
+        </p:txBody>
+      </p:sp>
+    </p:spTree>
+    <p:extLst>
+      <p:ext uri="{BB962C8B-B14F-4D97-AF65-F5344CB8AC3E}">
+        <p14:creationId xmlns:p14="http://schemas.microsoft.com/office/powerpoint/2010/main" val="1385610716"/>
+      </p:ext>
+    </p:extLst>
+  </p:cSld>
+  <p:clrMapOvr>
+    <a:masterClrMapping/>
+  </p:clrMapOvr>
+</p:sld>
+</file>
+
+<file path=ppt/slides/slide6.xml><?xml version="1.0" encoding="utf-8"?>
+<p:sld xmlns:a="http://schemas.openxmlformats.org/drawingml/2006/main" xmlns:r="http://schemas.openxmlformats.org/officeDocument/2006/relationships" xmlns:p="http://schemas.openxmlformats.org/presentationml/2006/main">
+  <p:cSld>
+    <p:spTree>
+      <p:nvGrpSpPr>
+        <p:cNvPr id="1" name=""/>
+        <p:cNvGrpSpPr/>
+        <p:nvPr/>
+      </p:nvGrpSpPr>
+      <p:grpSpPr>
+        <a:xfrm>
+          <a:off x="0" y="0"/>
+          <a:ext cx="0" cy="0"/>
+          <a:chOff x="0" y="0"/>
+          <a:chExt cx="0" cy="0"/>
+        </a:xfrm>
+      </p:grpSpPr>
+      <p:sp>
+        <p:nvSpPr>
+          <p:cNvPr id="2" name="Title 1">
+            <a:extLst>
+              <a:ext uri="{FF2B5EF4-FFF2-40B4-BE49-F238E27FC236}">
                 <a16:creationId xmlns:a16="http://schemas.microsoft.com/office/drawing/2014/main" id="{7A70E280-DC34-3545-B5A9-017811B4F2A1}"/>
               </a:ext>
             </a:extLst>
@@ -4012,7 +4216,7 @@
 </p:sld>
 </file>
 
-<file path=ppt/slides/slide5.xml><?xml version="1.0" encoding="utf-8"?>
+<file path=ppt/slides/slide7.xml><?xml version="1.0" encoding="utf-8"?>
 <p:sld xmlns:a="http://schemas.openxmlformats.org/drawingml/2006/main" xmlns:r="http://schemas.openxmlformats.org/officeDocument/2006/relationships" xmlns:p="http://schemas.openxmlformats.org/presentationml/2006/main">
   <p:cSld>
     <p:spTree>

--- a/doc/azocpupidemo3.pptx
+++ b/doc/azocpupidemo3.pptx
@@ -5,16 +5,19 @@
     <p:sldMasterId id="2147483763" r:id="rId1"/>
   </p:sldMasterIdLst>
   <p:notesMasterIdLst>
-    <p:notesMasterId r:id="rId9"/>
+    <p:notesMasterId r:id="rId12"/>
   </p:notesMasterIdLst>
   <p:sldIdLst>
     <p:sldId id="256" r:id="rId2"/>
     <p:sldId id="291" r:id="rId3"/>
     <p:sldId id="296" r:id="rId4"/>
-    <p:sldId id="297" r:id="rId5"/>
-    <p:sldId id="279" r:id="rId6"/>
-    <p:sldId id="295" r:id="rId7"/>
-    <p:sldId id="282" r:id="rId8"/>
+    <p:sldId id="298" r:id="rId5"/>
+    <p:sldId id="299" r:id="rId6"/>
+    <p:sldId id="300" r:id="rId7"/>
+    <p:sldId id="297" r:id="rId8"/>
+    <p:sldId id="279" r:id="rId9"/>
+    <p:sldId id="295" r:id="rId10"/>
+    <p:sldId id="282" r:id="rId11"/>
   </p:sldIdLst>
   <p:sldSz cx="12192000" cy="6858000"/>
   <p:notesSz cx="6858000" cy="9144000"/>
@@ -3567,6 +3570,131 @@
 </p:sld>
 </file>
 
+<file path=ppt/slides/slide10.xml><?xml version="1.0" encoding="utf-8"?>
+<p:sld xmlns:a="http://schemas.openxmlformats.org/drawingml/2006/main" xmlns:r="http://schemas.openxmlformats.org/officeDocument/2006/relationships" xmlns:p="http://schemas.openxmlformats.org/presentationml/2006/main">
+  <p:cSld>
+    <p:spTree>
+      <p:nvGrpSpPr>
+        <p:cNvPr id="1" name=""/>
+        <p:cNvGrpSpPr/>
+        <p:nvPr/>
+      </p:nvGrpSpPr>
+      <p:grpSpPr>
+        <a:xfrm>
+          <a:off x="0" y="0"/>
+          <a:ext cx="0" cy="0"/>
+          <a:chOff x="0" y="0"/>
+          <a:chExt cx="0" cy="0"/>
+        </a:xfrm>
+      </p:grpSpPr>
+      <p:sp>
+        <p:nvSpPr>
+          <p:cNvPr id="2" name="Title 1">
+            <a:extLst>
+              <a:ext uri="{FF2B5EF4-FFF2-40B4-BE49-F238E27FC236}">
+                <a16:creationId xmlns:a16="http://schemas.microsoft.com/office/drawing/2014/main" id="{A8C54662-DEF1-F942-9F6F-F82BD2B52B35}"/>
+              </a:ext>
+            </a:extLst>
+          </p:cNvPr>
+          <p:cNvSpPr>
+            <a:spLocks noGrp="1"/>
+          </p:cNvSpPr>
+          <p:nvPr>
+            <p:ph type="title"/>
+          </p:nvPr>
+        </p:nvSpPr>
+        <p:spPr/>
+        <p:txBody>
+          <a:bodyPr/>
+          <a:lstStyle/>
+          <a:p>
+            <a:r>
+              <a:rPr lang="en-US" dirty="0"/>
+              <a:t>Where’s it at:</a:t>
+            </a:r>
+          </a:p>
+        </p:txBody>
+      </p:sp>
+      <p:pic>
+        <p:nvPicPr>
+          <p:cNvPr id="5" name="Content Placeholder 4">
+            <a:extLst>
+              <a:ext uri="{FF2B5EF4-FFF2-40B4-BE49-F238E27FC236}">
+                <a16:creationId xmlns:a16="http://schemas.microsoft.com/office/drawing/2014/main" id="{A72C5B3E-AACC-744E-8BEE-6788FF38C896}"/>
+              </a:ext>
+            </a:extLst>
+          </p:cNvPr>
+          <p:cNvPicPr>
+            <a:picLocks noGrp="1" noChangeAspect="1"/>
+          </p:cNvPicPr>
+          <p:nvPr>
+            <p:ph idx="1"/>
+          </p:nvPr>
+        </p:nvPicPr>
+        <p:blipFill>
+          <a:blip r:embed="rId2"/>
+          <a:stretch>
+            <a:fillRect/>
+          </a:stretch>
+        </p:blipFill>
+        <p:spPr>
+          <a:xfrm>
+            <a:off x="2097473" y="1825625"/>
+            <a:ext cx="7997053" cy="4351338"/>
+          </a:xfrm>
+        </p:spPr>
+      </p:pic>
+      <p:sp>
+        <p:nvSpPr>
+          <p:cNvPr id="6" name="TextBox 5">
+            <a:extLst>
+              <a:ext uri="{FF2B5EF4-FFF2-40B4-BE49-F238E27FC236}">
+                <a16:creationId xmlns:a16="http://schemas.microsoft.com/office/drawing/2014/main" id="{086F95A8-E67A-234E-AD28-B142E36EF402}"/>
+              </a:ext>
+            </a:extLst>
+          </p:cNvPr>
+          <p:cNvSpPr txBox="1"/>
+          <p:nvPr/>
+        </p:nvSpPr>
+        <p:spPr>
+          <a:xfrm>
+            <a:off x="3422822" y="6311900"/>
+            <a:ext cx="11108724" cy="369332"/>
+          </a:xfrm>
+          <a:prstGeom prst="rect">
+            <a:avLst/>
+          </a:prstGeom>
+          <a:noFill/>
+        </p:spPr>
+        <p:txBody>
+          <a:bodyPr wrap="square" rtlCol="0">
+            <a:spAutoFit/>
+          </a:bodyPr>
+          <a:lstStyle/>
+          <a:p>
+            <a:r>
+              <a:rPr lang="en-SG" dirty="0">
+                <a:hlinkClick r:id="rId3"/>
+              </a:rPr>
+              <a:t>https://github.com/glennswest/ocpupi4azure/tree/master/4.1</a:t>
+            </a:r>
+            <a:endParaRPr lang="en-US" dirty="0"/>
+          </a:p>
+        </p:txBody>
+      </p:sp>
+    </p:spTree>
+    <p:extLst>
+      <p:ext uri="{BB962C8B-B14F-4D97-AF65-F5344CB8AC3E}">
+        <p14:creationId xmlns:p14="http://schemas.microsoft.com/office/powerpoint/2010/main" val="1371541681"/>
+      </p:ext>
+    </p:extLst>
+  </p:cSld>
+  <p:clrMapOvr>
+    <a:masterClrMapping/>
+  </p:clrMapOvr>
+</p:sld>
+</file>
+
 <file path=ppt/slides/slide2.xml><?xml version="1.0" encoding="utf-8"?>
 <p:sld xmlns:a="http://schemas.openxmlformats.org/drawingml/2006/main" xmlns:r="http://schemas.openxmlformats.org/officeDocument/2006/relationships" xmlns:p="http://schemas.openxmlformats.org/presentationml/2006/main">
   <p:cSld>
@@ -3840,7 +3968,7 @@
           <p:cNvPr id="2" name="Title 1">
             <a:extLst>
               <a:ext uri="{FF2B5EF4-FFF2-40B4-BE49-F238E27FC236}">
-                <a16:creationId xmlns:a16="http://schemas.microsoft.com/office/drawing/2014/main" id="{92AD8138-DDCC-9344-9653-60555FFAA265}"/>
+                <a16:creationId xmlns:a16="http://schemas.microsoft.com/office/drawing/2014/main" id="{A16E4B8F-8AAC-EF4F-9002-4AA4CB037E76}"/>
               </a:ext>
             </a:extLst>
           </p:cNvPr>
@@ -3858,64 +3986,74 @@
           <a:p>
             <a:r>
               <a:rPr lang="en-US" dirty="0"/>
-              <a:t>Minor Enhancements</a:t>
-            </a:r>
-          </a:p>
-        </p:txBody>
-      </p:sp>
-      <p:sp>
-        <p:nvSpPr>
-          <p:cNvPr id="3" name="Content Placeholder 2">
+              <a:t>Initial Test 4.2GA with Azure Cloud Provider</a:t>
+            </a:r>
+          </a:p>
+        </p:txBody>
+      </p:sp>
+      <p:pic>
+        <p:nvPicPr>
+          <p:cNvPr id="7" name="Content Placeholder 6">
             <a:extLst>
               <a:ext uri="{FF2B5EF4-FFF2-40B4-BE49-F238E27FC236}">
-                <a16:creationId xmlns:a16="http://schemas.microsoft.com/office/drawing/2014/main" id="{3FE9B2E6-C4BB-234C-81BB-80AA3CC00F80}"/>
+                <a16:creationId xmlns:a16="http://schemas.microsoft.com/office/drawing/2014/main" id="{D6B3B42E-1081-6646-AA69-609D9D0AB0F0}"/>
               </a:ext>
             </a:extLst>
           </p:cNvPr>
-          <p:cNvSpPr>
-            <a:spLocks noGrp="1"/>
-          </p:cNvSpPr>
+          <p:cNvPicPr>
+            <a:picLocks noGrp="1" noChangeAspect="1"/>
+          </p:cNvPicPr>
           <p:nvPr>
             <p:ph idx="1"/>
           </p:nvPr>
-        </p:nvSpPr>
-        <p:spPr/>
-        <p:txBody>
-          <a:bodyPr/>
-          <a:lstStyle/>
-          <a:p>
-            <a:r>
-              <a:rPr lang="en-US" dirty="0"/>
-              <a:t>Updated </a:t>
-            </a:r>
-            <a:r>
-              <a:rPr lang="en-US" dirty="0" err="1"/>
-              <a:t>readme.md</a:t>
-            </a:r>
-            <a:r>
-              <a:rPr lang="en-US" dirty="0"/>
-              <a:t> to point to overview</a:t>
-            </a:r>
-          </a:p>
-          <a:p>
-            <a:r>
-              <a:rPr lang="en-US" dirty="0"/>
-              <a:t>Change default region </a:t>
-            </a:r>
-            <a:r>
-              <a:rPr lang="en-US"/>
-              <a:t>to Central US</a:t>
-            </a:r>
-          </a:p>
-          <a:p>
-            <a:endParaRPr lang="en-US"/>
-          </a:p>
-        </p:txBody>
-      </p:sp>
+        </p:nvPicPr>
+        <p:blipFill>
+          <a:blip r:embed="rId2"/>
+          <a:stretch>
+            <a:fillRect/>
+          </a:stretch>
+        </p:blipFill>
+        <p:spPr>
+          <a:xfrm>
+            <a:off x="627017" y="1525074"/>
+            <a:ext cx="10515600" cy="1909505"/>
+          </a:xfrm>
+        </p:spPr>
+      </p:pic>
+      <p:pic>
+        <p:nvPicPr>
+          <p:cNvPr id="9" name="Picture 8">
+            <a:extLst>
+              <a:ext uri="{FF2B5EF4-FFF2-40B4-BE49-F238E27FC236}">
+                <a16:creationId xmlns:a16="http://schemas.microsoft.com/office/drawing/2014/main" id="{51D0A6D9-082B-2C44-A884-B356D133FFE4}"/>
+              </a:ext>
+            </a:extLst>
+          </p:cNvPr>
+          <p:cNvPicPr>
+            <a:picLocks noChangeAspect="1"/>
+          </p:cNvPicPr>
+          <p:nvPr/>
+        </p:nvPicPr>
+        <p:blipFill>
+          <a:blip r:embed="rId3"/>
+          <a:stretch>
+            <a:fillRect/>
+          </a:stretch>
+        </p:blipFill>
+        <p:spPr>
+          <a:xfrm>
+            <a:off x="627017" y="3429000"/>
+            <a:ext cx="12192000" cy="3395726"/>
+          </a:xfrm>
+          <a:prstGeom prst="rect">
+            <a:avLst/>
+          </a:prstGeom>
+        </p:spPr>
+      </p:pic>
     </p:spTree>
     <p:extLst>
       <p:ext uri="{BB962C8B-B14F-4D97-AF65-F5344CB8AC3E}">
-        <p14:creationId xmlns:p14="http://schemas.microsoft.com/office/powerpoint/2010/main" val="834820805"/>
+        <p14:creationId xmlns:p14="http://schemas.microsoft.com/office/powerpoint/2010/main" val="3877952926"/>
       </p:ext>
     </p:extLst>
   </p:cSld>
@@ -3947,7 +4085,7 @@
           <p:cNvPr id="2" name="Title 1">
             <a:extLst>
               <a:ext uri="{FF2B5EF4-FFF2-40B4-BE49-F238E27FC236}">
-                <a16:creationId xmlns:a16="http://schemas.microsoft.com/office/drawing/2014/main" id="{F11BB6C5-B0BC-284D-B750-03E902999E52}"/>
+                <a16:creationId xmlns:a16="http://schemas.microsoft.com/office/drawing/2014/main" id="{267D26BB-F3CC-794E-B569-F2F9BEDF987F}"/>
               </a:ext>
             </a:extLst>
           </p:cNvPr>
@@ -3965,8 +4103,13 @@
           <a:p>
             <a:r>
               <a:rPr lang="en-US" dirty="0"/>
-              <a:t>Current Status</a:t>
-            </a:r>
+              <a:t>Changes to App/</a:t>
+            </a:r>
+            <a:r>
+              <a:rPr lang="en-US" dirty="0" err="1"/>
+              <a:t>InfraLB</a:t>
+            </a:r>
+            <a:endParaRPr lang="en-US" dirty="0"/>
           </a:p>
         </p:txBody>
       </p:sp>
@@ -3975,7 +4118,7 @@
           <p:cNvPr id="3" name="Content Placeholder 2">
             <a:extLst>
               <a:ext uri="{FF2B5EF4-FFF2-40B4-BE49-F238E27FC236}">
-                <a16:creationId xmlns:a16="http://schemas.microsoft.com/office/drawing/2014/main" id="{F2711C76-5A4E-C342-B33A-483915423E9F}"/>
+                <a16:creationId xmlns:a16="http://schemas.microsoft.com/office/drawing/2014/main" id="{DA41B894-202B-9545-9471-B7D58D3566C1}"/>
               </a:ext>
             </a:extLst>
           </p:cNvPr>
@@ -3988,84 +4131,98 @@
         </p:nvSpPr>
         <p:spPr/>
         <p:txBody>
-          <a:bodyPr>
-            <a:normAutofit/>
-          </a:bodyPr>
-          <a:lstStyle/>
-          <a:p>
+          <a:bodyPr/>
+          <a:lstStyle/>
+          <a:p>
+            <a:r>
+              <a:rPr lang="en-US" dirty="0"/>
+              <a:t>Removed Wildcard Zone Parameter</a:t>
+            </a:r>
+          </a:p>
+          <a:p>
+            <a:r>
+              <a:rPr lang="en-US" dirty="0"/>
+              <a:t>Removed references to Wildcard zone parameter</a:t>
+            </a:r>
+          </a:p>
+          <a:p>
+            <a:r>
+              <a:rPr lang="en-US" dirty="0"/>
+              <a:t>Changed interface name to </a:t>
+            </a:r>
             <a:r>
               <a:rPr lang="en-US" dirty="0" err="1"/>
-              <a:t>Testings</a:t>
+              <a:t>resourceGroup</a:t>
             </a:r>
             <a:r>
               <a:rPr lang="en-US" dirty="0"/>
-              <a:t> Pending</a:t>
-            </a:r>
-          </a:p>
-          <a:p>
-            <a:pPr lvl="1"/>
+              <a:t>()App </a:t>
+            </a:r>
+            <a:r>
+              <a:rPr lang="en-US" dirty="0" err="1"/>
+              <a:t>ie</a:t>
+            </a:r>
             <a:r>
               <a:rPr lang="en-US" dirty="0"/>
-              <a:t>Azure Cloud Provider</a:t>
-            </a:r>
-          </a:p>
-          <a:p>
-            <a:pPr lvl="1"/>
+              <a:t> gswx1app</a:t>
+            </a:r>
+          </a:p>
+          <a:p>
             <a:r>
               <a:rPr lang="en-US" dirty="0"/>
-              <a:t>App Load Balancer/Portal</a:t>
-            </a:r>
-          </a:p>
-          <a:p>
+              <a:t>Changed setup script to </a:t>
+            </a:r>
+            <a:r>
+              <a:rPr lang="en-US" dirty="0" err="1"/>
+              <a:t>precreate</a:t>
+            </a:r>
             <a:r>
               <a:rPr lang="en-US" dirty="0"/>
-              <a:t>New Cards</a:t>
-            </a:r>
-          </a:p>
-          <a:p>
-            <a:pPr lvl="1"/>
+              <a:t> the public IP for the </a:t>
+            </a:r>
+            <a:r>
+              <a:rPr lang="en-US" dirty="0" err="1"/>
+              <a:t>InfraLB</a:t>
+            </a:r>
+            <a:endParaRPr lang="en-US" dirty="0"/>
+          </a:p>
+          <a:p>
             <a:r>
               <a:rPr lang="en-US" dirty="0"/>
-              <a:t>4.3 – Test Bare Metal – In progress</a:t>
-            </a:r>
-          </a:p>
-          <a:p>
-            <a:pPr lvl="1"/>
+              <a:t>Added name of app </a:t>
+            </a:r>
+            <a:r>
+              <a:rPr lang="en-US" dirty="0" err="1"/>
+              <a:t>loadbalancer</a:t>
+            </a:r>
             <a:r>
               <a:rPr lang="en-US" dirty="0"/>
-              <a:t>Introduction/Overview Presentation </a:t>
-            </a:r>
-          </a:p>
-          <a:p>
-            <a:pPr lvl="2"/>
+              <a:t> to parameters for node creation</a:t>
+            </a:r>
+          </a:p>
+          <a:p>
             <a:r>
               <a:rPr lang="en-US" dirty="0"/>
-              <a:t>Include How To various subjects</a:t>
-            </a:r>
-          </a:p>
-          <a:p>
-            <a:pPr lvl="3"/>
+              <a:t>In node template added the </a:t>
+            </a:r>
+            <a:r>
+              <a:rPr lang="en-US" dirty="0" err="1"/>
+              <a:t>ip</a:t>
+            </a:r>
             <a:r>
               <a:rPr lang="en-US" dirty="0"/>
-              <a:t>Changing Internal IP’s</a:t>
-            </a:r>
-          </a:p>
-          <a:p>
-            <a:pPr lvl="3"/>
-            <a:r>
-              <a:rPr lang="en-US" dirty="0"/>
-              <a:t>Changing Versions</a:t>
-            </a:r>
-          </a:p>
-          <a:p>
-            <a:pPr lvl="3"/>
-            <a:r>
-              <a:rPr lang="en-US" dirty="0"/>
-              <a:t>Adding More Workers</a:t>
-            </a:r>
-          </a:p>
-          <a:p>
-            <a:pPr lvl="3"/>
+              <a:t> into the app </a:t>
+            </a:r>
+            <a:r>
+              <a:rPr lang="en-US" dirty="0" err="1"/>
+              <a:t>loadbalancer</a:t>
+            </a:r>
+            <a:endParaRPr lang="en-US" dirty="0"/>
+          </a:p>
+          <a:p>
+            <a:pPr marL="0" indent="0">
+              <a:buNone/>
+            </a:pPr>
             <a:endParaRPr lang="en-US" dirty="0"/>
           </a:p>
         </p:txBody>
@@ -4073,7 +4230,7 @@
     </p:spTree>
     <p:extLst>
       <p:ext uri="{BB962C8B-B14F-4D97-AF65-F5344CB8AC3E}">
-        <p14:creationId xmlns:p14="http://schemas.microsoft.com/office/powerpoint/2010/main" val="1385610716"/>
+        <p14:creationId xmlns:p14="http://schemas.microsoft.com/office/powerpoint/2010/main" val="715916249"/>
       </p:ext>
     </p:extLst>
   </p:cSld>
@@ -4105,7 +4262,7 @@
           <p:cNvPr id="2" name="Title 1">
             <a:extLst>
               <a:ext uri="{FF2B5EF4-FFF2-40B4-BE49-F238E27FC236}">
-                <a16:creationId xmlns:a16="http://schemas.microsoft.com/office/drawing/2014/main" id="{7A70E280-DC34-3545-B5A9-017811B4F2A1}"/>
+                <a16:creationId xmlns:a16="http://schemas.microsoft.com/office/drawing/2014/main" id="{D8F64C52-28AF-144E-AF25-D7B35195FBD4}"/>
               </a:ext>
             </a:extLst>
           </p:cNvPr>
@@ -4123,90 +4280,44 @@
           <a:p>
             <a:r>
               <a:rPr lang="en-US" dirty="0"/>
-              <a:t>Resolved Issues</a:t>
-            </a:r>
-          </a:p>
-        </p:txBody>
-      </p:sp>
-      <p:sp>
-        <p:nvSpPr>
-          <p:cNvPr id="3" name="Content Placeholder 2">
+              <a:t>Wildcard IP For Apps</a:t>
+            </a:r>
+          </a:p>
+        </p:txBody>
+      </p:sp>
+      <p:pic>
+        <p:nvPicPr>
+          <p:cNvPr id="5" name="Content Placeholder 4">
             <a:extLst>
               <a:ext uri="{FF2B5EF4-FFF2-40B4-BE49-F238E27FC236}">
-                <a16:creationId xmlns:a16="http://schemas.microsoft.com/office/drawing/2014/main" id="{0342FF54-FC07-5241-9279-725B9F7412D6}"/>
+                <a16:creationId xmlns:a16="http://schemas.microsoft.com/office/drawing/2014/main" id="{0862447B-662C-2645-ADF2-CBAFB5EFF1BA}"/>
               </a:ext>
             </a:extLst>
           </p:cNvPr>
-          <p:cNvSpPr>
-            <a:spLocks noGrp="1"/>
-          </p:cNvSpPr>
+          <p:cNvPicPr>
+            <a:picLocks noGrp="1" noChangeAspect="1"/>
+          </p:cNvPicPr>
           <p:nvPr>
             <p:ph idx="1"/>
           </p:nvPr>
-        </p:nvSpPr>
-        <p:spPr/>
-        <p:txBody>
-          <a:bodyPr/>
-          <a:lstStyle/>
-          <a:p>
-            <a:r>
-              <a:rPr lang="en-US" dirty="0"/>
-              <a:t>Resolved Issues</a:t>
-            </a:r>
-          </a:p>
-          <a:p>
-            <a:pPr lvl="1"/>
-            <a:r>
-              <a:rPr lang="en-US" dirty="0"/>
-              <a:t>SSH Not Working to masters – </a:t>
-            </a:r>
-            <a:r>
-              <a:rPr lang="en-US" dirty="0" err="1"/>
-              <a:t>ssh</a:t>
-            </a:r>
-            <a:r>
-              <a:rPr lang="en-US" dirty="0"/>
-              <a:t> key had extraneous character</a:t>
-            </a:r>
-          </a:p>
-          <a:p>
-            <a:pPr lvl="1"/>
-            <a:r>
-              <a:rPr lang="en-US" dirty="0"/>
-              <a:t>Masters Not Booting – DNS Address Issue Fixed</a:t>
-            </a:r>
-          </a:p>
-          <a:p>
-            <a:r>
-              <a:rPr lang="en-US" dirty="0"/>
-              <a:t>Blockers</a:t>
-            </a:r>
-          </a:p>
-          <a:p>
-            <a:pPr lvl="1"/>
-            <a:r>
-              <a:rPr lang="en-US" dirty="0"/>
-              <a:t>Azure Quota – Requested yesterday – Still not resolved</a:t>
-            </a:r>
-          </a:p>
-          <a:p>
-            <a:pPr marL="0" indent="0">
-              <a:buNone/>
-            </a:pPr>
-            <a:endParaRPr lang="en-US" dirty="0"/>
-          </a:p>
-          <a:p>
-            <a:pPr marL="0" indent="0">
-              <a:buNone/>
-            </a:pPr>
-            <a:endParaRPr lang="en-US" dirty="0"/>
-          </a:p>
-        </p:txBody>
-      </p:sp>
+        </p:nvPicPr>
+        <p:blipFill>
+          <a:blip r:embed="rId2"/>
+          <a:stretch>
+            <a:fillRect/>
+          </a:stretch>
+        </p:blipFill>
+        <p:spPr>
+          <a:xfrm>
+            <a:off x="1009650" y="2261394"/>
+            <a:ext cx="10172700" cy="3479800"/>
+          </a:xfrm>
+        </p:spPr>
+      </p:pic>
     </p:spTree>
     <p:extLst>
       <p:ext uri="{BB962C8B-B14F-4D97-AF65-F5344CB8AC3E}">
-        <p14:creationId xmlns:p14="http://schemas.microsoft.com/office/powerpoint/2010/main" val="672908473"/>
+        <p14:creationId xmlns:p14="http://schemas.microsoft.com/office/powerpoint/2010/main" val="2814365889"/>
       </p:ext>
     </p:extLst>
   </p:cSld>
@@ -4238,7 +4349,7 @@
           <p:cNvPr id="2" name="Title 1">
             <a:extLst>
               <a:ext uri="{FF2B5EF4-FFF2-40B4-BE49-F238E27FC236}">
-                <a16:creationId xmlns:a16="http://schemas.microsoft.com/office/drawing/2014/main" id="{A8C54662-DEF1-F942-9F6F-F82BD2B52B35}"/>
+                <a16:creationId xmlns:a16="http://schemas.microsoft.com/office/drawing/2014/main" id="{92AD8138-DDCC-9344-9653-60555FFAA265}"/>
               </a:ext>
             </a:extLst>
           </p:cNvPr>
@@ -4256,74 +4367,222 @@
           <a:p>
             <a:r>
               <a:rPr lang="en-US" dirty="0"/>
-              <a:t>Where’s it at:</a:t>
-            </a:r>
-          </a:p>
-        </p:txBody>
-      </p:sp>
-      <p:pic>
-        <p:nvPicPr>
-          <p:cNvPr id="5" name="Content Placeholder 4">
+              <a:t>Minor Enhancements</a:t>
+            </a:r>
+          </a:p>
+        </p:txBody>
+      </p:sp>
+      <p:sp>
+        <p:nvSpPr>
+          <p:cNvPr id="3" name="Content Placeholder 2">
             <a:extLst>
               <a:ext uri="{FF2B5EF4-FFF2-40B4-BE49-F238E27FC236}">
-                <a16:creationId xmlns:a16="http://schemas.microsoft.com/office/drawing/2014/main" id="{A72C5B3E-AACC-744E-8BEE-6788FF38C896}"/>
+                <a16:creationId xmlns:a16="http://schemas.microsoft.com/office/drawing/2014/main" id="{3FE9B2E6-C4BB-234C-81BB-80AA3CC00F80}"/>
               </a:ext>
             </a:extLst>
           </p:cNvPr>
-          <p:cNvPicPr>
-            <a:picLocks noGrp="1" noChangeAspect="1"/>
-          </p:cNvPicPr>
+          <p:cNvSpPr>
+            <a:spLocks noGrp="1"/>
+          </p:cNvSpPr>
           <p:nvPr>
             <p:ph idx="1"/>
           </p:nvPr>
-        </p:nvPicPr>
-        <p:blipFill>
-          <a:blip r:embed="rId2"/>
-          <a:stretch>
-            <a:fillRect/>
-          </a:stretch>
-        </p:blipFill>
-        <p:spPr>
-          <a:xfrm>
-            <a:off x="2097473" y="1825625"/>
-            <a:ext cx="7997053" cy="4351338"/>
-          </a:xfrm>
-        </p:spPr>
-      </p:pic>
-      <p:sp>
-        <p:nvSpPr>
-          <p:cNvPr id="6" name="TextBox 5">
+        </p:nvSpPr>
+        <p:spPr/>
+        <p:txBody>
+          <a:bodyPr/>
+          <a:lstStyle/>
+          <a:p>
+            <a:r>
+              <a:rPr lang="en-US" dirty="0"/>
+              <a:t>Updated </a:t>
+            </a:r>
+            <a:r>
+              <a:rPr lang="en-US" dirty="0" err="1"/>
+              <a:t>readme.md</a:t>
+            </a:r>
+            <a:r>
+              <a:rPr lang="en-US" dirty="0"/>
+              <a:t> to point to overview</a:t>
+            </a:r>
+          </a:p>
+          <a:p>
+            <a:r>
+              <a:rPr lang="en-US" dirty="0"/>
+              <a:t>Make region a environment variable</a:t>
+            </a:r>
+          </a:p>
+          <a:p>
+            <a:r>
+              <a:rPr lang="en-US" dirty="0"/>
+              <a:t>Change default region to Central US</a:t>
+            </a:r>
+          </a:p>
+          <a:p>
+            <a:endParaRPr lang="en-US" dirty="0"/>
+          </a:p>
+        </p:txBody>
+      </p:sp>
+    </p:spTree>
+    <p:extLst>
+      <p:ext uri="{BB962C8B-B14F-4D97-AF65-F5344CB8AC3E}">
+        <p14:creationId xmlns:p14="http://schemas.microsoft.com/office/powerpoint/2010/main" val="834820805"/>
+      </p:ext>
+    </p:extLst>
+  </p:cSld>
+  <p:clrMapOvr>
+    <a:masterClrMapping/>
+  </p:clrMapOvr>
+</p:sld>
+</file>
+
+<file path=ppt/slides/slide8.xml><?xml version="1.0" encoding="utf-8"?>
+<p:sld xmlns:a="http://schemas.openxmlformats.org/drawingml/2006/main" xmlns:r="http://schemas.openxmlformats.org/officeDocument/2006/relationships" xmlns:p="http://schemas.openxmlformats.org/presentationml/2006/main">
+  <p:cSld>
+    <p:spTree>
+      <p:nvGrpSpPr>
+        <p:cNvPr id="1" name=""/>
+        <p:cNvGrpSpPr/>
+        <p:nvPr/>
+      </p:nvGrpSpPr>
+      <p:grpSpPr>
+        <a:xfrm>
+          <a:off x="0" y="0"/>
+          <a:ext cx="0" cy="0"/>
+          <a:chOff x="0" y="0"/>
+          <a:chExt cx="0" cy="0"/>
+        </a:xfrm>
+      </p:grpSpPr>
+      <p:sp>
+        <p:nvSpPr>
+          <p:cNvPr id="2" name="Title 1">
             <a:extLst>
               <a:ext uri="{FF2B5EF4-FFF2-40B4-BE49-F238E27FC236}">
-                <a16:creationId xmlns:a16="http://schemas.microsoft.com/office/drawing/2014/main" id="{086F95A8-E67A-234E-AD28-B142E36EF402}"/>
+                <a16:creationId xmlns:a16="http://schemas.microsoft.com/office/drawing/2014/main" id="{F11BB6C5-B0BC-284D-B750-03E902999E52}"/>
               </a:ext>
             </a:extLst>
           </p:cNvPr>
-          <p:cNvSpPr txBox="1"/>
-          <p:nvPr/>
-        </p:nvSpPr>
-        <p:spPr>
-          <a:xfrm>
-            <a:off x="3422822" y="6311900"/>
-            <a:ext cx="11108724" cy="369332"/>
-          </a:xfrm>
-          <a:prstGeom prst="rect">
-            <a:avLst/>
-          </a:prstGeom>
-          <a:noFill/>
-        </p:spPr>
-        <p:txBody>
-          <a:bodyPr wrap="square" rtlCol="0">
-            <a:spAutoFit/>
+          <p:cNvSpPr>
+            <a:spLocks noGrp="1"/>
+          </p:cNvSpPr>
+          <p:nvPr>
+            <p:ph type="title"/>
+          </p:nvPr>
+        </p:nvSpPr>
+        <p:spPr/>
+        <p:txBody>
+          <a:bodyPr/>
+          <a:lstStyle/>
+          <a:p>
+            <a:r>
+              <a:rPr lang="en-US" dirty="0"/>
+              <a:t>Current Status</a:t>
+            </a:r>
+          </a:p>
+        </p:txBody>
+      </p:sp>
+      <p:sp>
+        <p:nvSpPr>
+          <p:cNvPr id="3" name="Content Placeholder 2">
+            <a:extLst>
+              <a:ext uri="{FF2B5EF4-FFF2-40B4-BE49-F238E27FC236}">
+                <a16:creationId xmlns:a16="http://schemas.microsoft.com/office/drawing/2014/main" id="{F2711C76-5A4E-C342-B33A-483915423E9F}"/>
+              </a:ext>
+            </a:extLst>
+          </p:cNvPr>
+          <p:cNvSpPr>
+            <a:spLocks noGrp="1"/>
+          </p:cNvSpPr>
+          <p:nvPr>
+            <p:ph idx="1"/>
+          </p:nvPr>
+        </p:nvSpPr>
+        <p:spPr/>
+        <p:txBody>
+          <a:bodyPr>
+            <a:normAutofit/>
           </a:bodyPr>
           <a:lstStyle/>
           <a:p>
             <a:r>
-              <a:rPr lang="en-SG" dirty="0">
-                <a:hlinkClick r:id="rId3"/>
-              </a:rPr>
-              <a:t>https://github.com/glennswest/ocpupi4azure/tree/master/4.1</a:t>
-            </a:r>
+              <a:rPr lang="en-US" dirty="0" err="1"/>
+              <a:t>Testings</a:t>
+            </a:r>
+            <a:r>
+              <a:rPr lang="en-US" dirty="0"/>
+              <a:t> Pending</a:t>
+            </a:r>
+          </a:p>
+          <a:p>
+            <a:pPr lvl="1"/>
+            <a:r>
+              <a:rPr lang="en-US" dirty="0"/>
+              <a:t>App Load Balancer/Portal</a:t>
+            </a:r>
+          </a:p>
+          <a:p>
+            <a:r>
+              <a:rPr lang="en-US" dirty="0"/>
+              <a:t>Completed</a:t>
+            </a:r>
+          </a:p>
+          <a:p>
+            <a:pPr lvl="1"/>
+            <a:r>
+              <a:rPr lang="en-US" dirty="0"/>
+              <a:t>Initial Cloud Provider Test Completed</a:t>
+            </a:r>
+          </a:p>
+          <a:p>
+            <a:r>
+              <a:rPr lang="en-US" dirty="0"/>
+              <a:t>New Cards</a:t>
+            </a:r>
+          </a:p>
+          <a:p>
+            <a:pPr lvl="1"/>
+            <a:r>
+              <a:rPr lang="en-US" dirty="0"/>
+              <a:t>4.3 – Test Bare Metal – In progress</a:t>
+            </a:r>
+          </a:p>
+          <a:p>
+            <a:pPr lvl="1"/>
+            <a:r>
+              <a:rPr lang="en-US" dirty="0"/>
+              <a:t>Introduction/Overview Presentation </a:t>
+            </a:r>
+          </a:p>
+          <a:p>
+            <a:pPr lvl="2"/>
+            <a:r>
+              <a:rPr lang="en-US" dirty="0"/>
+              <a:t>Include How To various subjects</a:t>
+            </a:r>
+          </a:p>
+          <a:p>
+            <a:pPr lvl="3"/>
+            <a:r>
+              <a:rPr lang="en-US" dirty="0"/>
+              <a:t>Changing Internal IP’s</a:t>
+            </a:r>
+          </a:p>
+          <a:p>
+            <a:pPr lvl="3"/>
+            <a:r>
+              <a:rPr lang="en-US" dirty="0"/>
+              <a:t>Changing Versions</a:t>
+            </a:r>
+          </a:p>
+          <a:p>
+            <a:pPr lvl="3"/>
+            <a:r>
+              <a:rPr lang="en-US" dirty="0"/>
+              <a:t>Adding More Workers</a:t>
+            </a:r>
+          </a:p>
+          <a:p>
+            <a:pPr lvl="3"/>
             <a:endParaRPr lang="en-US" dirty="0"/>
           </a:p>
         </p:txBody>
@@ -4331,7 +4590,140 @@
     </p:spTree>
     <p:extLst>
       <p:ext uri="{BB962C8B-B14F-4D97-AF65-F5344CB8AC3E}">
-        <p14:creationId xmlns:p14="http://schemas.microsoft.com/office/powerpoint/2010/main" val="1371541681"/>
+        <p14:creationId xmlns:p14="http://schemas.microsoft.com/office/powerpoint/2010/main" val="1385610716"/>
+      </p:ext>
+    </p:extLst>
+  </p:cSld>
+  <p:clrMapOvr>
+    <a:masterClrMapping/>
+  </p:clrMapOvr>
+</p:sld>
+</file>
+
+<file path=ppt/slides/slide9.xml><?xml version="1.0" encoding="utf-8"?>
+<p:sld xmlns:a="http://schemas.openxmlformats.org/drawingml/2006/main" xmlns:r="http://schemas.openxmlformats.org/officeDocument/2006/relationships" xmlns:p="http://schemas.openxmlformats.org/presentationml/2006/main">
+  <p:cSld>
+    <p:spTree>
+      <p:nvGrpSpPr>
+        <p:cNvPr id="1" name=""/>
+        <p:cNvGrpSpPr/>
+        <p:nvPr/>
+      </p:nvGrpSpPr>
+      <p:grpSpPr>
+        <a:xfrm>
+          <a:off x="0" y="0"/>
+          <a:ext cx="0" cy="0"/>
+          <a:chOff x="0" y="0"/>
+          <a:chExt cx="0" cy="0"/>
+        </a:xfrm>
+      </p:grpSpPr>
+      <p:sp>
+        <p:nvSpPr>
+          <p:cNvPr id="2" name="Title 1">
+            <a:extLst>
+              <a:ext uri="{FF2B5EF4-FFF2-40B4-BE49-F238E27FC236}">
+                <a16:creationId xmlns:a16="http://schemas.microsoft.com/office/drawing/2014/main" id="{7A70E280-DC34-3545-B5A9-017811B4F2A1}"/>
+              </a:ext>
+            </a:extLst>
+          </p:cNvPr>
+          <p:cNvSpPr>
+            <a:spLocks noGrp="1"/>
+          </p:cNvSpPr>
+          <p:nvPr>
+            <p:ph type="title"/>
+          </p:nvPr>
+        </p:nvSpPr>
+        <p:spPr/>
+        <p:txBody>
+          <a:bodyPr/>
+          <a:lstStyle/>
+          <a:p>
+            <a:r>
+              <a:rPr lang="en-US" dirty="0"/>
+              <a:t>Resolved Issues</a:t>
+            </a:r>
+          </a:p>
+        </p:txBody>
+      </p:sp>
+      <p:sp>
+        <p:nvSpPr>
+          <p:cNvPr id="3" name="Content Placeholder 2">
+            <a:extLst>
+              <a:ext uri="{FF2B5EF4-FFF2-40B4-BE49-F238E27FC236}">
+                <a16:creationId xmlns:a16="http://schemas.microsoft.com/office/drawing/2014/main" id="{0342FF54-FC07-5241-9279-725B9F7412D6}"/>
+              </a:ext>
+            </a:extLst>
+          </p:cNvPr>
+          <p:cNvSpPr>
+            <a:spLocks noGrp="1"/>
+          </p:cNvSpPr>
+          <p:nvPr>
+            <p:ph idx="1"/>
+          </p:nvPr>
+        </p:nvSpPr>
+        <p:spPr/>
+        <p:txBody>
+          <a:bodyPr/>
+          <a:lstStyle/>
+          <a:p>
+            <a:r>
+              <a:rPr lang="en-US" dirty="0"/>
+              <a:t>Resolved Issues</a:t>
+            </a:r>
+          </a:p>
+          <a:p>
+            <a:pPr lvl="1"/>
+            <a:r>
+              <a:rPr lang="en-US" dirty="0"/>
+              <a:t>SSH Not Working to masters – </a:t>
+            </a:r>
+            <a:r>
+              <a:rPr lang="en-US" dirty="0" err="1"/>
+              <a:t>ssh</a:t>
+            </a:r>
+            <a:r>
+              <a:rPr lang="en-US" dirty="0"/>
+              <a:t> key had extraneous character</a:t>
+            </a:r>
+          </a:p>
+          <a:p>
+            <a:pPr lvl="1"/>
+            <a:r>
+              <a:rPr lang="en-US" dirty="0"/>
+              <a:t>Masters Not Booting – DNS Address Issue Fixed</a:t>
+            </a:r>
+          </a:p>
+          <a:p>
+            <a:r>
+              <a:rPr lang="en-US" dirty="0"/>
+              <a:t>Blockers</a:t>
+            </a:r>
+          </a:p>
+          <a:p>
+            <a:pPr lvl="1"/>
+            <a:r>
+              <a:rPr lang="en-US" dirty="0"/>
+              <a:t>Azure Quota – Requested yesterday – Still not resolved</a:t>
+            </a:r>
+          </a:p>
+          <a:p>
+            <a:pPr marL="0" indent="0">
+              <a:buNone/>
+            </a:pPr>
+            <a:endParaRPr lang="en-US" dirty="0"/>
+          </a:p>
+          <a:p>
+            <a:pPr marL="0" indent="0">
+              <a:buNone/>
+            </a:pPr>
+            <a:endParaRPr lang="en-US" dirty="0"/>
+          </a:p>
+        </p:txBody>
+      </p:sp>
+    </p:spTree>
+    <p:extLst>
+      <p:ext uri="{BB962C8B-B14F-4D97-AF65-F5344CB8AC3E}">
+        <p14:creationId xmlns:p14="http://schemas.microsoft.com/office/powerpoint/2010/main" val="672908473"/>
       </p:ext>
     </p:extLst>
   </p:cSld>

--- a/doc/azocpupidemo3.pptx
+++ b/doc/azocpupidemo3.pptx
@@ -5,19 +5,44 @@
     <p:sldMasterId id="2147483763" r:id="rId1"/>
   </p:sldMasterIdLst>
   <p:notesMasterIdLst>
-    <p:notesMasterId r:id="rId12"/>
+    <p:notesMasterId r:id="rId37"/>
   </p:notesMasterIdLst>
   <p:sldIdLst>
     <p:sldId id="256" r:id="rId2"/>
     <p:sldId id="291" r:id="rId3"/>
     <p:sldId id="296" r:id="rId4"/>
-    <p:sldId id="298" r:id="rId5"/>
-    <p:sldId id="299" r:id="rId6"/>
-    <p:sldId id="300" r:id="rId7"/>
-    <p:sldId id="297" r:id="rId8"/>
-    <p:sldId id="279" r:id="rId9"/>
-    <p:sldId id="295" r:id="rId10"/>
-    <p:sldId id="282" r:id="rId11"/>
+    <p:sldId id="299" r:id="rId5"/>
+    <p:sldId id="300" r:id="rId6"/>
+    <p:sldId id="301" r:id="rId7"/>
+    <p:sldId id="302" r:id="rId8"/>
+    <p:sldId id="297" r:id="rId9"/>
+    <p:sldId id="303" r:id="rId10"/>
+    <p:sldId id="304" r:id="rId11"/>
+    <p:sldId id="305" r:id="rId12"/>
+    <p:sldId id="311" r:id="rId13"/>
+    <p:sldId id="306" r:id="rId14"/>
+    <p:sldId id="307" r:id="rId15"/>
+    <p:sldId id="308" r:id="rId16"/>
+    <p:sldId id="309" r:id="rId17"/>
+    <p:sldId id="310" r:id="rId18"/>
+    <p:sldId id="312" r:id="rId19"/>
+    <p:sldId id="313" r:id="rId20"/>
+    <p:sldId id="314" r:id="rId21"/>
+    <p:sldId id="315" r:id="rId22"/>
+    <p:sldId id="316" r:id="rId23"/>
+    <p:sldId id="317" r:id="rId24"/>
+    <p:sldId id="318" r:id="rId25"/>
+    <p:sldId id="319" r:id="rId26"/>
+    <p:sldId id="320" r:id="rId27"/>
+    <p:sldId id="321" r:id="rId28"/>
+    <p:sldId id="322" r:id="rId29"/>
+    <p:sldId id="323" r:id="rId30"/>
+    <p:sldId id="324" r:id="rId31"/>
+    <p:sldId id="325" r:id="rId32"/>
+    <p:sldId id="326" r:id="rId33"/>
+    <p:sldId id="279" r:id="rId34"/>
+    <p:sldId id="295" r:id="rId35"/>
+    <p:sldId id="282" r:id="rId36"/>
   </p:sldIdLst>
   <p:sldSz cx="12192000" cy="6858000"/>
   <p:notesSz cx="6858000" cy="9144000"/>
@@ -3548,8 +3573,12 @@
           </a:p>
           <a:p>
             <a:r>
+              <a:rPr lang="en-US"/>
+              <a:t>Oct 25, </a:t>
+            </a:r>
+            <a:r>
               <a:rPr lang="en-US" dirty="0"/>
-              <a:t>Oct 11, 2019</a:t>
+              <a:t>2019</a:t>
             </a:r>
           </a:p>
           <a:p>
@@ -3592,7 +3621,7 @@
           <p:cNvPr id="2" name="Title 1">
             <a:extLst>
               <a:ext uri="{FF2B5EF4-FFF2-40B4-BE49-F238E27FC236}">
-                <a16:creationId xmlns:a16="http://schemas.microsoft.com/office/drawing/2014/main" id="{A8C54662-DEF1-F942-9F6F-F82BD2B52B35}"/>
+                <a16:creationId xmlns:a16="http://schemas.microsoft.com/office/drawing/2014/main" id="{7AB1F91F-DADD-F348-818A-C50983A62E43}"/>
               </a:ext>
             </a:extLst>
           </p:cNvPr>
@@ -3610,26 +3639,24 @@
           <a:p>
             <a:r>
               <a:rPr lang="en-US" dirty="0"/>
-              <a:t>Where’s it at:</a:t>
+              <a:t>Identity Created</a:t>
             </a:r>
           </a:p>
         </p:txBody>
       </p:sp>
       <p:pic>
         <p:nvPicPr>
-          <p:cNvPr id="5" name="Content Placeholder 4">
+          <p:cNvPr id="9" name="Picture 8">
             <a:extLst>
               <a:ext uri="{FF2B5EF4-FFF2-40B4-BE49-F238E27FC236}">
-                <a16:creationId xmlns:a16="http://schemas.microsoft.com/office/drawing/2014/main" id="{A72C5B3E-AACC-744E-8BEE-6788FF38C896}"/>
+                <a16:creationId xmlns:a16="http://schemas.microsoft.com/office/drawing/2014/main" id="{15394EDB-0E34-2C44-AE70-15E1BD138552}"/>
               </a:ext>
             </a:extLst>
           </p:cNvPr>
           <p:cNvPicPr>
-            <a:picLocks noGrp="1" noChangeAspect="1"/>
+            <a:picLocks noChangeAspect="1"/>
           </p:cNvPicPr>
-          <p:nvPr>
-            <p:ph idx="1"/>
-          </p:nvPr>
+          <p:nvPr/>
         </p:nvPicPr>
         <p:blipFill>
           <a:blip r:embed="rId2"/>
@@ -3639,53 +3666,685 @@
         </p:blipFill>
         <p:spPr>
           <a:xfrm>
-            <a:off x="2097473" y="1825625"/>
-            <a:ext cx="7997053" cy="4351338"/>
-          </a:xfrm>
-        </p:spPr>
-      </p:pic>
-      <p:sp>
-        <p:nvSpPr>
-          <p:cNvPr id="6" name="TextBox 5">
-            <a:extLst>
-              <a:ext uri="{FF2B5EF4-FFF2-40B4-BE49-F238E27FC236}">
-                <a16:creationId xmlns:a16="http://schemas.microsoft.com/office/drawing/2014/main" id="{086F95A8-E67A-234E-AD28-B142E36EF402}"/>
-              </a:ext>
-            </a:extLst>
-          </p:cNvPr>
-          <p:cNvSpPr txBox="1"/>
-          <p:nvPr/>
-        </p:nvSpPr>
-        <p:spPr>
-          <a:xfrm>
-            <a:off x="3422822" y="6311900"/>
-            <a:ext cx="11108724" cy="369332"/>
+            <a:off x="611777" y="1897808"/>
+            <a:ext cx="10742023" cy="3745982"/>
           </a:xfrm>
           <a:prstGeom prst="rect">
             <a:avLst/>
           </a:prstGeom>
-          <a:noFill/>
         </p:spPr>
-        <p:txBody>
-          <a:bodyPr wrap="square" rtlCol="0">
-            <a:spAutoFit/>
-          </a:bodyPr>
-          <a:lstStyle/>
-          <a:p>
-            <a:r>
-              <a:rPr lang="en-SG" dirty="0">
-                <a:hlinkClick r:id="rId3"/>
-              </a:rPr>
-              <a:t>https://github.com/glennswest/ocpupi4azure/tree/master/4.1</a:t>
-            </a:r>
-            <a:endParaRPr lang="en-US" dirty="0"/>
-          </a:p>
-        </p:txBody>
-      </p:sp>
+      </p:pic>
     </p:spTree>
     <p:extLst>
       <p:ext uri="{BB962C8B-B14F-4D97-AF65-F5344CB8AC3E}">
-        <p14:creationId xmlns:p14="http://schemas.microsoft.com/office/powerpoint/2010/main" val="1371541681"/>
+        <p14:creationId xmlns:p14="http://schemas.microsoft.com/office/powerpoint/2010/main" val="1894331199"/>
+      </p:ext>
+    </p:extLst>
+  </p:cSld>
+  <p:clrMapOvr>
+    <a:masterClrMapping/>
+  </p:clrMapOvr>
+</p:sld>
+</file>
+
+<file path=ppt/slides/slide11.xml><?xml version="1.0" encoding="utf-8"?>
+<p:sld xmlns:a="http://schemas.openxmlformats.org/drawingml/2006/main" xmlns:r="http://schemas.openxmlformats.org/officeDocument/2006/relationships" xmlns:p="http://schemas.openxmlformats.org/presentationml/2006/main">
+  <p:cSld>
+    <p:spTree>
+      <p:nvGrpSpPr>
+        <p:cNvPr id="1" name=""/>
+        <p:cNvGrpSpPr/>
+        <p:nvPr/>
+      </p:nvGrpSpPr>
+      <p:grpSpPr>
+        <a:xfrm>
+          <a:off x="0" y="0"/>
+          <a:ext cx="0" cy="0"/>
+          <a:chOff x="0" y="0"/>
+          <a:chExt cx="0" cy="0"/>
+        </a:xfrm>
+      </p:grpSpPr>
+      <p:sp>
+        <p:nvSpPr>
+          <p:cNvPr id="4" name="Title 3">
+            <a:extLst>
+              <a:ext uri="{FF2B5EF4-FFF2-40B4-BE49-F238E27FC236}">
+                <a16:creationId xmlns:a16="http://schemas.microsoft.com/office/drawing/2014/main" id="{C2440856-37BD-834C-B2C2-F5D0F0E762BB}"/>
+              </a:ext>
+            </a:extLst>
+          </p:cNvPr>
+          <p:cNvSpPr>
+            <a:spLocks noGrp="1"/>
+          </p:cNvSpPr>
+          <p:nvPr>
+            <p:ph type="title"/>
+          </p:nvPr>
+        </p:nvSpPr>
+        <p:spPr/>
+        <p:txBody>
+          <a:bodyPr/>
+          <a:lstStyle/>
+          <a:p>
+            <a:r>
+              <a:rPr lang="en-US" dirty="0"/>
+              <a:t>Identity Detail</a:t>
+            </a:r>
+          </a:p>
+        </p:txBody>
+      </p:sp>
+      <p:pic>
+        <p:nvPicPr>
+          <p:cNvPr id="7" name="Picture 6">
+            <a:extLst>
+              <a:ext uri="{FF2B5EF4-FFF2-40B4-BE49-F238E27FC236}">
+                <a16:creationId xmlns:a16="http://schemas.microsoft.com/office/drawing/2014/main" id="{F15E7B11-53A8-3344-96AA-7B7317F7AE61}"/>
+              </a:ext>
+            </a:extLst>
+          </p:cNvPr>
+          <p:cNvPicPr>
+            <a:picLocks noChangeAspect="1"/>
+          </p:cNvPicPr>
+          <p:nvPr/>
+        </p:nvPicPr>
+        <p:blipFill>
+          <a:blip r:embed="rId2"/>
+          <a:stretch>
+            <a:fillRect/>
+          </a:stretch>
+        </p:blipFill>
+        <p:spPr>
+          <a:xfrm>
+            <a:off x="542394" y="1920238"/>
+            <a:ext cx="10436029" cy="4233591"/>
+          </a:xfrm>
+          <a:prstGeom prst="rect">
+            <a:avLst/>
+          </a:prstGeom>
+        </p:spPr>
+      </p:pic>
+    </p:spTree>
+    <p:extLst>
+      <p:ext uri="{BB962C8B-B14F-4D97-AF65-F5344CB8AC3E}">
+        <p14:creationId xmlns:p14="http://schemas.microsoft.com/office/powerpoint/2010/main" val="251398082"/>
+      </p:ext>
+    </p:extLst>
+  </p:cSld>
+  <p:clrMapOvr>
+    <a:masterClrMapping/>
+  </p:clrMapOvr>
+</p:sld>
+</file>
+
+<file path=ppt/slides/slide12.xml><?xml version="1.0" encoding="utf-8"?>
+<p:sld xmlns:a="http://schemas.openxmlformats.org/drawingml/2006/main" xmlns:r="http://schemas.openxmlformats.org/officeDocument/2006/relationships" xmlns:p="http://schemas.openxmlformats.org/presentationml/2006/main">
+  <p:cSld>
+    <p:spTree>
+      <p:nvGrpSpPr>
+        <p:cNvPr id="1" name=""/>
+        <p:cNvGrpSpPr/>
+        <p:nvPr/>
+      </p:nvGrpSpPr>
+      <p:grpSpPr>
+        <a:xfrm>
+          <a:off x="0" y="0"/>
+          <a:ext cx="0" cy="0"/>
+          <a:chOff x="0" y="0"/>
+          <a:chExt cx="0" cy="0"/>
+        </a:xfrm>
+      </p:grpSpPr>
+      <p:sp>
+        <p:nvSpPr>
+          <p:cNvPr id="2" name="Title 1">
+            <a:extLst>
+              <a:ext uri="{FF2B5EF4-FFF2-40B4-BE49-F238E27FC236}">
+                <a16:creationId xmlns:a16="http://schemas.microsoft.com/office/drawing/2014/main" id="{113BD15A-B3CF-C241-A61E-F7543EC3F6E4}"/>
+              </a:ext>
+            </a:extLst>
+          </p:cNvPr>
+          <p:cNvSpPr>
+            <a:spLocks noGrp="1"/>
+          </p:cNvSpPr>
+          <p:nvPr>
+            <p:ph type="title"/>
+          </p:nvPr>
+        </p:nvSpPr>
+        <p:spPr/>
+        <p:txBody>
+          <a:bodyPr/>
+          <a:lstStyle/>
+          <a:p>
+            <a:r>
+              <a:rPr lang="en-US" dirty="0"/>
+              <a:t>Demo</a:t>
+            </a:r>
+          </a:p>
+        </p:txBody>
+      </p:sp>
+      <p:sp>
+        <p:nvSpPr>
+          <p:cNvPr id="3" name="Content Placeholder 2">
+            <a:extLst>
+              <a:ext uri="{FF2B5EF4-FFF2-40B4-BE49-F238E27FC236}">
+                <a16:creationId xmlns:a16="http://schemas.microsoft.com/office/drawing/2014/main" id="{78680B67-A207-494A-AAC2-BEDC49CAF0B9}"/>
+              </a:ext>
+            </a:extLst>
+          </p:cNvPr>
+          <p:cNvSpPr>
+            <a:spLocks noGrp="1"/>
+          </p:cNvSpPr>
+          <p:nvPr>
+            <p:ph idx="1"/>
+          </p:nvPr>
+        </p:nvSpPr>
+        <p:spPr/>
+        <p:txBody>
+          <a:bodyPr/>
+          <a:lstStyle/>
+          <a:p>
+            <a:r>
+              <a:rPr lang="en-US" dirty="0"/>
+              <a:t>4.2 GA Code</a:t>
+            </a:r>
+          </a:p>
+          <a:p>
+            <a:r>
+              <a:rPr lang="en-US" dirty="0"/>
+              <a:t>Azure Cloud Provider WIP</a:t>
+            </a:r>
+          </a:p>
+          <a:p>
+            <a:pPr lvl="1"/>
+            <a:r>
+              <a:rPr lang="en-US" dirty="0"/>
+              <a:t>Identity Created</a:t>
+            </a:r>
+          </a:p>
+          <a:p>
+            <a:pPr lvl="1"/>
+            <a:r>
+              <a:rPr lang="en-US" dirty="0"/>
+              <a:t>Service Principle Used</a:t>
+            </a:r>
+          </a:p>
+          <a:p>
+            <a:pPr lvl="1"/>
+            <a:r>
+              <a:rPr lang="en-US" dirty="0" err="1"/>
+              <a:t>Manfests</a:t>
+            </a:r>
+            <a:r>
+              <a:rPr lang="en-US" dirty="0"/>
+              <a:t> manually changed – Resource Group/identity </a:t>
+            </a:r>
+            <a:r>
+              <a:rPr lang="en-US" dirty="0" err="1"/>
+              <a:t>releated</a:t>
+            </a:r>
+            <a:endParaRPr lang="en-US" dirty="0"/>
+          </a:p>
+          <a:p>
+            <a:pPr lvl="1"/>
+            <a:r>
+              <a:rPr lang="en-US" dirty="0"/>
+              <a:t>Fixed Mentioned above</a:t>
+            </a:r>
+          </a:p>
+        </p:txBody>
+      </p:sp>
+    </p:spTree>
+    <p:extLst>
+      <p:ext uri="{BB962C8B-B14F-4D97-AF65-F5344CB8AC3E}">
+        <p14:creationId xmlns:p14="http://schemas.microsoft.com/office/powerpoint/2010/main" val="2960259040"/>
+      </p:ext>
+    </p:extLst>
+  </p:cSld>
+  <p:clrMapOvr>
+    <a:masterClrMapping/>
+  </p:clrMapOvr>
+</p:sld>
+</file>
+
+<file path=ppt/slides/slide13.xml><?xml version="1.0" encoding="utf-8"?>
+<p:sld xmlns:a="http://schemas.openxmlformats.org/drawingml/2006/main" xmlns:r="http://schemas.openxmlformats.org/officeDocument/2006/relationships" xmlns:p="http://schemas.openxmlformats.org/presentationml/2006/main">
+  <p:cSld>
+    <p:spTree>
+      <p:nvGrpSpPr>
+        <p:cNvPr id="1" name=""/>
+        <p:cNvGrpSpPr/>
+        <p:nvPr/>
+      </p:nvGrpSpPr>
+      <p:grpSpPr>
+        <a:xfrm>
+          <a:off x="0" y="0"/>
+          <a:ext cx="0" cy="0"/>
+          <a:chOff x="0" y="0"/>
+          <a:chExt cx="0" cy="0"/>
+        </a:xfrm>
+      </p:grpSpPr>
+      <p:pic>
+        <p:nvPicPr>
+          <p:cNvPr id="5" name="Picture 4">
+            <a:extLst>
+              <a:ext uri="{FF2B5EF4-FFF2-40B4-BE49-F238E27FC236}">
+                <a16:creationId xmlns:a16="http://schemas.microsoft.com/office/drawing/2014/main" id="{5790CD48-190B-574C-AF86-00219D1BE611}"/>
+              </a:ext>
+            </a:extLst>
+          </p:cNvPr>
+          <p:cNvPicPr>
+            <a:picLocks noChangeAspect="1"/>
+          </p:cNvPicPr>
+          <p:nvPr/>
+        </p:nvPicPr>
+        <p:blipFill>
+          <a:blip r:embed="rId2"/>
+          <a:stretch>
+            <a:fillRect/>
+          </a:stretch>
+        </p:blipFill>
+        <p:spPr>
+          <a:xfrm>
+            <a:off x="1265486" y="0"/>
+            <a:ext cx="9661027" cy="6858000"/>
+          </a:xfrm>
+          <a:prstGeom prst="rect">
+            <a:avLst/>
+          </a:prstGeom>
+        </p:spPr>
+      </p:pic>
+    </p:spTree>
+    <p:extLst>
+      <p:ext uri="{BB962C8B-B14F-4D97-AF65-F5344CB8AC3E}">
+        <p14:creationId xmlns:p14="http://schemas.microsoft.com/office/powerpoint/2010/main" val="3551250672"/>
+      </p:ext>
+    </p:extLst>
+  </p:cSld>
+  <p:clrMapOvr>
+    <a:masterClrMapping/>
+  </p:clrMapOvr>
+</p:sld>
+</file>
+
+<file path=ppt/slides/slide14.xml><?xml version="1.0" encoding="utf-8"?>
+<p:sld xmlns:a="http://schemas.openxmlformats.org/drawingml/2006/main" xmlns:r="http://schemas.openxmlformats.org/officeDocument/2006/relationships" xmlns:p="http://schemas.openxmlformats.org/presentationml/2006/main">
+  <p:cSld>
+    <p:spTree>
+      <p:nvGrpSpPr>
+        <p:cNvPr id="1" name=""/>
+        <p:cNvGrpSpPr/>
+        <p:nvPr/>
+      </p:nvGrpSpPr>
+      <p:grpSpPr>
+        <a:xfrm>
+          <a:off x="0" y="0"/>
+          <a:ext cx="0" cy="0"/>
+          <a:chOff x="0" y="0"/>
+          <a:chExt cx="0" cy="0"/>
+        </a:xfrm>
+      </p:grpSpPr>
+      <p:pic>
+        <p:nvPicPr>
+          <p:cNvPr id="3" name="Picture 2">
+            <a:extLst>
+              <a:ext uri="{FF2B5EF4-FFF2-40B4-BE49-F238E27FC236}">
+                <a16:creationId xmlns:a16="http://schemas.microsoft.com/office/drawing/2014/main" id="{629DBAD8-1A80-1749-BC89-8AE514658E75}"/>
+              </a:ext>
+            </a:extLst>
+          </p:cNvPr>
+          <p:cNvPicPr>
+            <a:picLocks noChangeAspect="1"/>
+          </p:cNvPicPr>
+          <p:nvPr/>
+        </p:nvPicPr>
+        <p:blipFill>
+          <a:blip r:embed="rId2"/>
+          <a:stretch>
+            <a:fillRect/>
+          </a:stretch>
+        </p:blipFill>
+        <p:spPr>
+          <a:xfrm>
+            <a:off x="1346482" y="0"/>
+            <a:ext cx="9499036" cy="6858000"/>
+          </a:xfrm>
+          <a:prstGeom prst="rect">
+            <a:avLst/>
+          </a:prstGeom>
+        </p:spPr>
+      </p:pic>
+    </p:spTree>
+    <p:extLst>
+      <p:ext uri="{BB962C8B-B14F-4D97-AF65-F5344CB8AC3E}">
+        <p14:creationId xmlns:p14="http://schemas.microsoft.com/office/powerpoint/2010/main" val="2149240616"/>
+      </p:ext>
+    </p:extLst>
+  </p:cSld>
+  <p:clrMapOvr>
+    <a:masterClrMapping/>
+  </p:clrMapOvr>
+</p:sld>
+</file>
+
+<file path=ppt/slides/slide15.xml><?xml version="1.0" encoding="utf-8"?>
+<p:sld xmlns:a="http://schemas.openxmlformats.org/drawingml/2006/main" xmlns:r="http://schemas.openxmlformats.org/officeDocument/2006/relationships" xmlns:p="http://schemas.openxmlformats.org/presentationml/2006/main">
+  <p:cSld>
+    <p:spTree>
+      <p:nvGrpSpPr>
+        <p:cNvPr id="1" name=""/>
+        <p:cNvGrpSpPr/>
+        <p:nvPr/>
+      </p:nvGrpSpPr>
+      <p:grpSpPr>
+        <a:xfrm>
+          <a:off x="0" y="0"/>
+          <a:ext cx="0" cy="0"/>
+          <a:chOff x="0" y="0"/>
+          <a:chExt cx="0" cy="0"/>
+        </a:xfrm>
+      </p:grpSpPr>
+      <p:pic>
+        <p:nvPicPr>
+          <p:cNvPr id="3" name="Picture 2">
+            <a:extLst>
+              <a:ext uri="{FF2B5EF4-FFF2-40B4-BE49-F238E27FC236}">
+                <a16:creationId xmlns:a16="http://schemas.microsoft.com/office/drawing/2014/main" id="{B3A4F5CB-2805-0A49-9CB6-184EDCC6210D}"/>
+              </a:ext>
+            </a:extLst>
+          </p:cNvPr>
+          <p:cNvPicPr>
+            <a:picLocks noChangeAspect="1"/>
+          </p:cNvPicPr>
+          <p:nvPr/>
+        </p:nvPicPr>
+        <p:blipFill>
+          <a:blip r:embed="rId2"/>
+          <a:stretch>
+            <a:fillRect/>
+          </a:stretch>
+        </p:blipFill>
+        <p:spPr>
+          <a:xfrm>
+            <a:off x="1327119" y="0"/>
+            <a:ext cx="9537761" cy="6858000"/>
+          </a:xfrm>
+          <a:prstGeom prst="rect">
+            <a:avLst/>
+          </a:prstGeom>
+        </p:spPr>
+      </p:pic>
+    </p:spTree>
+    <p:extLst>
+      <p:ext uri="{BB962C8B-B14F-4D97-AF65-F5344CB8AC3E}">
+        <p14:creationId xmlns:p14="http://schemas.microsoft.com/office/powerpoint/2010/main" val="3437499085"/>
+      </p:ext>
+    </p:extLst>
+  </p:cSld>
+  <p:clrMapOvr>
+    <a:masterClrMapping/>
+  </p:clrMapOvr>
+</p:sld>
+</file>
+
+<file path=ppt/slides/slide16.xml><?xml version="1.0" encoding="utf-8"?>
+<p:sld xmlns:a="http://schemas.openxmlformats.org/drawingml/2006/main" xmlns:r="http://schemas.openxmlformats.org/officeDocument/2006/relationships" xmlns:p="http://schemas.openxmlformats.org/presentationml/2006/main">
+  <p:cSld>
+    <p:spTree>
+      <p:nvGrpSpPr>
+        <p:cNvPr id="1" name=""/>
+        <p:cNvGrpSpPr/>
+        <p:nvPr/>
+      </p:nvGrpSpPr>
+      <p:grpSpPr>
+        <a:xfrm>
+          <a:off x="0" y="0"/>
+          <a:ext cx="0" cy="0"/>
+          <a:chOff x="0" y="0"/>
+          <a:chExt cx="0" cy="0"/>
+        </a:xfrm>
+      </p:grpSpPr>
+      <p:pic>
+        <p:nvPicPr>
+          <p:cNvPr id="3" name="Picture 2">
+            <a:extLst>
+              <a:ext uri="{FF2B5EF4-FFF2-40B4-BE49-F238E27FC236}">
+                <a16:creationId xmlns:a16="http://schemas.microsoft.com/office/drawing/2014/main" id="{08E58C7F-60A7-9D4C-A0E7-88CC95D75790}"/>
+              </a:ext>
+            </a:extLst>
+          </p:cNvPr>
+          <p:cNvPicPr>
+            <a:picLocks noChangeAspect="1"/>
+          </p:cNvPicPr>
+          <p:nvPr/>
+        </p:nvPicPr>
+        <p:blipFill>
+          <a:blip r:embed="rId2"/>
+          <a:stretch>
+            <a:fillRect/>
+          </a:stretch>
+        </p:blipFill>
+        <p:spPr>
+          <a:xfrm>
+            <a:off x="1321650" y="0"/>
+            <a:ext cx="9548699" cy="6858000"/>
+          </a:xfrm>
+          <a:prstGeom prst="rect">
+            <a:avLst/>
+          </a:prstGeom>
+        </p:spPr>
+      </p:pic>
+    </p:spTree>
+    <p:extLst>
+      <p:ext uri="{BB962C8B-B14F-4D97-AF65-F5344CB8AC3E}">
+        <p14:creationId xmlns:p14="http://schemas.microsoft.com/office/powerpoint/2010/main" val="1454431241"/>
+      </p:ext>
+    </p:extLst>
+  </p:cSld>
+  <p:clrMapOvr>
+    <a:masterClrMapping/>
+  </p:clrMapOvr>
+</p:sld>
+</file>
+
+<file path=ppt/slides/slide17.xml><?xml version="1.0" encoding="utf-8"?>
+<p:sld xmlns:a="http://schemas.openxmlformats.org/drawingml/2006/main" xmlns:r="http://schemas.openxmlformats.org/officeDocument/2006/relationships" xmlns:p="http://schemas.openxmlformats.org/presentationml/2006/main">
+  <p:cSld>
+    <p:spTree>
+      <p:nvGrpSpPr>
+        <p:cNvPr id="1" name=""/>
+        <p:cNvGrpSpPr/>
+        <p:nvPr/>
+      </p:nvGrpSpPr>
+      <p:grpSpPr>
+        <a:xfrm>
+          <a:off x="0" y="0"/>
+          <a:ext cx="0" cy="0"/>
+          <a:chOff x="0" y="0"/>
+          <a:chExt cx="0" cy="0"/>
+        </a:xfrm>
+      </p:grpSpPr>
+      <p:pic>
+        <p:nvPicPr>
+          <p:cNvPr id="3" name="Picture 2">
+            <a:extLst>
+              <a:ext uri="{FF2B5EF4-FFF2-40B4-BE49-F238E27FC236}">
+                <a16:creationId xmlns:a16="http://schemas.microsoft.com/office/drawing/2014/main" id="{E1D18CAA-2798-2940-B297-C4ABE875702B}"/>
+              </a:ext>
+            </a:extLst>
+          </p:cNvPr>
+          <p:cNvPicPr>
+            <a:picLocks noChangeAspect="1"/>
+          </p:cNvPicPr>
+          <p:nvPr/>
+        </p:nvPicPr>
+        <p:blipFill>
+          <a:blip r:embed="rId2"/>
+          <a:stretch>
+            <a:fillRect/>
+          </a:stretch>
+        </p:blipFill>
+        <p:spPr>
+          <a:xfrm>
+            <a:off x="628650" y="264160"/>
+            <a:ext cx="10934700" cy="1574800"/>
+          </a:xfrm>
+          <a:prstGeom prst="rect">
+            <a:avLst/>
+          </a:prstGeom>
+        </p:spPr>
+      </p:pic>
+      <p:pic>
+        <p:nvPicPr>
+          <p:cNvPr id="5" name="Picture 4">
+            <a:extLst>
+              <a:ext uri="{FF2B5EF4-FFF2-40B4-BE49-F238E27FC236}">
+                <a16:creationId xmlns:a16="http://schemas.microsoft.com/office/drawing/2014/main" id="{78BB39B8-4C7F-D44B-BE5A-08E48B799040}"/>
+              </a:ext>
+            </a:extLst>
+          </p:cNvPr>
+          <p:cNvPicPr>
+            <a:picLocks noChangeAspect="1"/>
+          </p:cNvPicPr>
+          <p:nvPr/>
+        </p:nvPicPr>
+        <p:blipFill>
+          <a:blip r:embed="rId3"/>
+          <a:stretch>
+            <a:fillRect/>
+          </a:stretch>
+        </p:blipFill>
+        <p:spPr>
+          <a:xfrm>
+            <a:off x="628650" y="2304143"/>
+            <a:ext cx="9474200" cy="3556000"/>
+          </a:xfrm>
+          <a:prstGeom prst="rect">
+            <a:avLst/>
+          </a:prstGeom>
+        </p:spPr>
+      </p:pic>
+    </p:spTree>
+    <p:extLst>
+      <p:ext uri="{BB962C8B-B14F-4D97-AF65-F5344CB8AC3E}">
+        <p14:creationId xmlns:p14="http://schemas.microsoft.com/office/powerpoint/2010/main" val="2230881170"/>
+      </p:ext>
+    </p:extLst>
+  </p:cSld>
+  <p:clrMapOvr>
+    <a:masterClrMapping/>
+  </p:clrMapOvr>
+</p:sld>
+</file>
+
+<file path=ppt/slides/slide18.xml><?xml version="1.0" encoding="utf-8"?>
+<p:sld xmlns:a="http://schemas.openxmlformats.org/drawingml/2006/main" xmlns:r="http://schemas.openxmlformats.org/officeDocument/2006/relationships" xmlns:p="http://schemas.openxmlformats.org/presentationml/2006/main">
+  <p:cSld>
+    <p:spTree>
+      <p:nvGrpSpPr>
+        <p:cNvPr id="1" name=""/>
+        <p:cNvGrpSpPr/>
+        <p:nvPr/>
+      </p:nvGrpSpPr>
+      <p:grpSpPr>
+        <a:xfrm>
+          <a:off x="0" y="0"/>
+          <a:ext cx="0" cy="0"/>
+          <a:chOff x="0" y="0"/>
+          <a:chExt cx="0" cy="0"/>
+        </a:xfrm>
+      </p:grpSpPr>
+      <p:pic>
+        <p:nvPicPr>
+          <p:cNvPr id="5" name="Picture 4">
+            <a:extLst>
+              <a:ext uri="{FF2B5EF4-FFF2-40B4-BE49-F238E27FC236}">
+                <a16:creationId xmlns:a16="http://schemas.microsoft.com/office/drawing/2014/main" id="{3A86888D-D632-3B41-B814-A6922EBBEA4A}"/>
+              </a:ext>
+            </a:extLst>
+          </p:cNvPr>
+          <p:cNvPicPr>
+            <a:picLocks noChangeAspect="1"/>
+          </p:cNvPicPr>
+          <p:nvPr/>
+        </p:nvPicPr>
+        <p:blipFill>
+          <a:blip r:embed="rId2"/>
+          <a:stretch>
+            <a:fillRect/>
+          </a:stretch>
+        </p:blipFill>
+        <p:spPr>
+          <a:xfrm>
+            <a:off x="1285493" y="0"/>
+            <a:ext cx="9621014" cy="6858000"/>
+          </a:xfrm>
+          <a:prstGeom prst="rect">
+            <a:avLst/>
+          </a:prstGeom>
+        </p:spPr>
+      </p:pic>
+    </p:spTree>
+    <p:extLst>
+      <p:ext uri="{BB962C8B-B14F-4D97-AF65-F5344CB8AC3E}">
+        <p14:creationId xmlns:p14="http://schemas.microsoft.com/office/powerpoint/2010/main" val="3787383716"/>
+      </p:ext>
+    </p:extLst>
+  </p:cSld>
+  <p:clrMapOvr>
+    <a:masterClrMapping/>
+  </p:clrMapOvr>
+</p:sld>
+</file>
+
+<file path=ppt/slides/slide19.xml><?xml version="1.0" encoding="utf-8"?>
+<p:sld xmlns:a="http://schemas.openxmlformats.org/drawingml/2006/main" xmlns:r="http://schemas.openxmlformats.org/officeDocument/2006/relationships" xmlns:p="http://schemas.openxmlformats.org/presentationml/2006/main">
+  <p:cSld>
+    <p:spTree>
+      <p:nvGrpSpPr>
+        <p:cNvPr id="1" name=""/>
+        <p:cNvGrpSpPr/>
+        <p:nvPr/>
+      </p:nvGrpSpPr>
+      <p:grpSpPr>
+        <a:xfrm>
+          <a:off x="0" y="0"/>
+          <a:ext cx="0" cy="0"/>
+          <a:chOff x="0" y="0"/>
+          <a:chExt cx="0" cy="0"/>
+        </a:xfrm>
+      </p:grpSpPr>
+      <p:pic>
+        <p:nvPicPr>
+          <p:cNvPr id="3" name="Picture 2">
+            <a:extLst>
+              <a:ext uri="{FF2B5EF4-FFF2-40B4-BE49-F238E27FC236}">
+                <a16:creationId xmlns:a16="http://schemas.microsoft.com/office/drawing/2014/main" id="{729F7481-EA2F-2249-A8DC-DAB85592D61A}"/>
+              </a:ext>
+            </a:extLst>
+          </p:cNvPr>
+          <p:cNvPicPr>
+            <a:picLocks noChangeAspect="1"/>
+          </p:cNvPicPr>
+          <p:nvPr/>
+        </p:nvPicPr>
+        <p:blipFill>
+          <a:blip r:embed="rId2"/>
+          <a:stretch>
+            <a:fillRect/>
+          </a:stretch>
+        </p:blipFill>
+        <p:spPr>
+          <a:xfrm>
+            <a:off x="1308652" y="0"/>
+            <a:ext cx="9574696" cy="6858000"/>
+          </a:xfrm>
+          <a:prstGeom prst="rect">
+            <a:avLst/>
+          </a:prstGeom>
+        </p:spPr>
+      </p:pic>
+    </p:spTree>
+    <p:extLst>
+      <p:ext uri="{BB962C8B-B14F-4D97-AF65-F5344CB8AC3E}">
+        <p14:creationId xmlns:p14="http://schemas.microsoft.com/office/powerpoint/2010/main" val="3054887632"/>
       </p:ext>
     </p:extLst>
   </p:cSld>
@@ -3770,15 +4429,15 @@
           </a:p>
           <a:p>
             <a:r>
-              <a:rPr lang="en-SG" dirty="0"/>
+              <a:rPr lang="en-SG" strike="sngStrike" dirty="0"/>
               <a:t>Fix wildcard app load </a:t>
             </a:r>
             <a:r>
-              <a:rPr lang="en-SG" dirty="0" err="1"/>
+              <a:rPr lang="en-SG" strike="sngStrike" dirty="0" err="1"/>
               <a:t>balacer</a:t>
             </a:r>
             <a:r>
-              <a:rPr lang="en-SG" dirty="0"/>
+              <a:rPr lang="en-SG" strike="sngStrike" dirty="0"/>
               <a:t> - size 2</a:t>
             </a:r>
           </a:p>
@@ -3842,6 +4501,606 @@
     <p:extLst>
       <p:ext uri="{BB962C8B-B14F-4D97-AF65-F5344CB8AC3E}">
         <p14:creationId xmlns:p14="http://schemas.microsoft.com/office/powerpoint/2010/main" val="1268889644"/>
+      </p:ext>
+    </p:extLst>
+  </p:cSld>
+  <p:clrMapOvr>
+    <a:masterClrMapping/>
+  </p:clrMapOvr>
+</p:sld>
+</file>
+
+<file path=ppt/slides/slide20.xml><?xml version="1.0" encoding="utf-8"?>
+<p:sld xmlns:a="http://schemas.openxmlformats.org/drawingml/2006/main" xmlns:r="http://schemas.openxmlformats.org/officeDocument/2006/relationships" xmlns:p="http://schemas.openxmlformats.org/presentationml/2006/main">
+  <p:cSld>
+    <p:spTree>
+      <p:nvGrpSpPr>
+        <p:cNvPr id="1" name=""/>
+        <p:cNvGrpSpPr/>
+        <p:nvPr/>
+      </p:nvGrpSpPr>
+      <p:grpSpPr>
+        <a:xfrm>
+          <a:off x="0" y="0"/>
+          <a:ext cx="0" cy="0"/>
+          <a:chOff x="0" y="0"/>
+          <a:chExt cx="0" cy="0"/>
+        </a:xfrm>
+      </p:grpSpPr>
+      <p:pic>
+        <p:nvPicPr>
+          <p:cNvPr id="3" name="Picture 2">
+            <a:extLst>
+              <a:ext uri="{FF2B5EF4-FFF2-40B4-BE49-F238E27FC236}">
+                <a16:creationId xmlns:a16="http://schemas.microsoft.com/office/drawing/2014/main" id="{4405A1B2-E39C-084A-8DA7-8AB00382F7EE}"/>
+              </a:ext>
+            </a:extLst>
+          </p:cNvPr>
+          <p:cNvPicPr>
+            <a:picLocks noChangeAspect="1"/>
+          </p:cNvPicPr>
+          <p:nvPr/>
+        </p:nvPicPr>
+        <p:blipFill>
+          <a:blip r:embed="rId2"/>
+          <a:stretch>
+            <a:fillRect/>
+          </a:stretch>
+        </p:blipFill>
+        <p:spPr>
+          <a:xfrm>
+            <a:off x="1355750" y="0"/>
+            <a:ext cx="9480499" cy="6858000"/>
+          </a:xfrm>
+          <a:prstGeom prst="rect">
+            <a:avLst/>
+          </a:prstGeom>
+        </p:spPr>
+      </p:pic>
+    </p:spTree>
+    <p:extLst>
+      <p:ext uri="{BB962C8B-B14F-4D97-AF65-F5344CB8AC3E}">
+        <p14:creationId xmlns:p14="http://schemas.microsoft.com/office/powerpoint/2010/main" val="813046726"/>
+      </p:ext>
+    </p:extLst>
+  </p:cSld>
+  <p:clrMapOvr>
+    <a:masterClrMapping/>
+  </p:clrMapOvr>
+</p:sld>
+</file>
+
+<file path=ppt/slides/slide21.xml><?xml version="1.0" encoding="utf-8"?>
+<p:sld xmlns:a="http://schemas.openxmlformats.org/drawingml/2006/main" xmlns:r="http://schemas.openxmlformats.org/officeDocument/2006/relationships" xmlns:p="http://schemas.openxmlformats.org/presentationml/2006/main">
+  <p:cSld>
+    <p:spTree>
+      <p:nvGrpSpPr>
+        <p:cNvPr id="1" name=""/>
+        <p:cNvGrpSpPr/>
+        <p:nvPr/>
+      </p:nvGrpSpPr>
+      <p:grpSpPr>
+        <a:xfrm>
+          <a:off x="0" y="0"/>
+          <a:ext cx="0" cy="0"/>
+          <a:chOff x="0" y="0"/>
+          <a:chExt cx="0" cy="0"/>
+        </a:xfrm>
+      </p:grpSpPr>
+      <p:pic>
+        <p:nvPicPr>
+          <p:cNvPr id="3" name="Picture 2">
+            <a:extLst>
+              <a:ext uri="{FF2B5EF4-FFF2-40B4-BE49-F238E27FC236}">
+                <a16:creationId xmlns:a16="http://schemas.microsoft.com/office/drawing/2014/main" id="{7958C3A9-4AB8-7041-AC42-310B05300903}"/>
+              </a:ext>
+            </a:extLst>
+          </p:cNvPr>
+          <p:cNvPicPr>
+            <a:picLocks noChangeAspect="1"/>
+          </p:cNvPicPr>
+          <p:nvPr/>
+        </p:nvPicPr>
+        <p:blipFill>
+          <a:blip r:embed="rId2"/>
+          <a:stretch>
+            <a:fillRect/>
+          </a:stretch>
+        </p:blipFill>
+        <p:spPr>
+          <a:xfrm>
+            <a:off x="1326173" y="0"/>
+            <a:ext cx="9539654" cy="6858000"/>
+          </a:xfrm>
+          <a:prstGeom prst="rect">
+            <a:avLst/>
+          </a:prstGeom>
+        </p:spPr>
+      </p:pic>
+    </p:spTree>
+    <p:extLst>
+      <p:ext uri="{BB962C8B-B14F-4D97-AF65-F5344CB8AC3E}">
+        <p14:creationId xmlns:p14="http://schemas.microsoft.com/office/powerpoint/2010/main" val="3976395322"/>
+      </p:ext>
+    </p:extLst>
+  </p:cSld>
+  <p:clrMapOvr>
+    <a:masterClrMapping/>
+  </p:clrMapOvr>
+</p:sld>
+</file>
+
+<file path=ppt/slides/slide22.xml><?xml version="1.0" encoding="utf-8"?>
+<p:sld xmlns:a="http://schemas.openxmlformats.org/drawingml/2006/main" xmlns:r="http://schemas.openxmlformats.org/officeDocument/2006/relationships" xmlns:p="http://schemas.openxmlformats.org/presentationml/2006/main">
+  <p:cSld>
+    <p:spTree>
+      <p:nvGrpSpPr>
+        <p:cNvPr id="1" name=""/>
+        <p:cNvGrpSpPr/>
+        <p:nvPr/>
+      </p:nvGrpSpPr>
+      <p:grpSpPr>
+        <a:xfrm>
+          <a:off x="0" y="0"/>
+          <a:ext cx="0" cy="0"/>
+          <a:chOff x="0" y="0"/>
+          <a:chExt cx="0" cy="0"/>
+        </a:xfrm>
+      </p:grpSpPr>
+      <p:pic>
+        <p:nvPicPr>
+          <p:cNvPr id="3" name="Picture 2">
+            <a:extLst>
+              <a:ext uri="{FF2B5EF4-FFF2-40B4-BE49-F238E27FC236}">
+                <a16:creationId xmlns:a16="http://schemas.microsoft.com/office/drawing/2014/main" id="{5D014B47-EC43-1C4E-9966-D82489B7D08C}"/>
+              </a:ext>
+            </a:extLst>
+          </p:cNvPr>
+          <p:cNvPicPr>
+            <a:picLocks noChangeAspect="1"/>
+          </p:cNvPicPr>
+          <p:nvPr/>
+        </p:nvPicPr>
+        <p:blipFill>
+          <a:blip r:embed="rId2"/>
+          <a:stretch>
+            <a:fillRect/>
+          </a:stretch>
+        </p:blipFill>
+        <p:spPr>
+          <a:xfrm>
+            <a:off x="1309687" y="0"/>
+            <a:ext cx="9572625" cy="6858000"/>
+          </a:xfrm>
+          <a:prstGeom prst="rect">
+            <a:avLst/>
+          </a:prstGeom>
+        </p:spPr>
+      </p:pic>
+    </p:spTree>
+    <p:extLst>
+      <p:ext uri="{BB962C8B-B14F-4D97-AF65-F5344CB8AC3E}">
+        <p14:creationId xmlns:p14="http://schemas.microsoft.com/office/powerpoint/2010/main" val="3101638807"/>
+      </p:ext>
+    </p:extLst>
+  </p:cSld>
+  <p:clrMapOvr>
+    <a:masterClrMapping/>
+  </p:clrMapOvr>
+</p:sld>
+</file>
+
+<file path=ppt/slides/slide23.xml><?xml version="1.0" encoding="utf-8"?>
+<p:sld xmlns:a="http://schemas.openxmlformats.org/drawingml/2006/main" xmlns:r="http://schemas.openxmlformats.org/officeDocument/2006/relationships" xmlns:p="http://schemas.openxmlformats.org/presentationml/2006/main">
+  <p:cSld>
+    <p:spTree>
+      <p:nvGrpSpPr>
+        <p:cNvPr id="1" name=""/>
+        <p:cNvGrpSpPr/>
+        <p:nvPr/>
+      </p:nvGrpSpPr>
+      <p:grpSpPr>
+        <a:xfrm>
+          <a:off x="0" y="0"/>
+          <a:ext cx="0" cy="0"/>
+          <a:chOff x="0" y="0"/>
+          <a:chExt cx="0" cy="0"/>
+        </a:xfrm>
+      </p:grpSpPr>
+      <p:pic>
+        <p:nvPicPr>
+          <p:cNvPr id="3" name="Picture 2">
+            <a:extLst>
+              <a:ext uri="{FF2B5EF4-FFF2-40B4-BE49-F238E27FC236}">
+                <a16:creationId xmlns:a16="http://schemas.microsoft.com/office/drawing/2014/main" id="{6DD08E2D-845E-8B41-B58F-91DB97738BCE}"/>
+              </a:ext>
+            </a:extLst>
+          </p:cNvPr>
+          <p:cNvPicPr>
+            <a:picLocks noChangeAspect="1"/>
+          </p:cNvPicPr>
+          <p:nvPr/>
+        </p:nvPicPr>
+        <p:blipFill>
+          <a:blip r:embed="rId2"/>
+          <a:stretch>
+            <a:fillRect/>
+          </a:stretch>
+        </p:blipFill>
+        <p:spPr>
+          <a:xfrm>
+            <a:off x="1335029" y="0"/>
+            <a:ext cx="9521942" cy="6858000"/>
+          </a:xfrm>
+          <a:prstGeom prst="rect">
+            <a:avLst/>
+          </a:prstGeom>
+        </p:spPr>
+      </p:pic>
+    </p:spTree>
+    <p:extLst>
+      <p:ext uri="{BB962C8B-B14F-4D97-AF65-F5344CB8AC3E}">
+        <p14:creationId xmlns:p14="http://schemas.microsoft.com/office/powerpoint/2010/main" val="837742512"/>
+      </p:ext>
+    </p:extLst>
+  </p:cSld>
+  <p:clrMapOvr>
+    <a:masterClrMapping/>
+  </p:clrMapOvr>
+</p:sld>
+</file>
+
+<file path=ppt/slides/slide24.xml><?xml version="1.0" encoding="utf-8"?>
+<p:sld xmlns:a="http://schemas.openxmlformats.org/drawingml/2006/main" xmlns:r="http://schemas.openxmlformats.org/officeDocument/2006/relationships" xmlns:p="http://schemas.openxmlformats.org/presentationml/2006/main">
+  <p:cSld>
+    <p:spTree>
+      <p:nvGrpSpPr>
+        <p:cNvPr id="1" name=""/>
+        <p:cNvGrpSpPr/>
+        <p:nvPr/>
+      </p:nvGrpSpPr>
+      <p:grpSpPr>
+        <a:xfrm>
+          <a:off x="0" y="0"/>
+          <a:ext cx="0" cy="0"/>
+          <a:chOff x="0" y="0"/>
+          <a:chExt cx="0" cy="0"/>
+        </a:xfrm>
+      </p:grpSpPr>
+      <p:pic>
+        <p:nvPicPr>
+          <p:cNvPr id="3" name="Picture 2">
+            <a:extLst>
+              <a:ext uri="{FF2B5EF4-FFF2-40B4-BE49-F238E27FC236}">
+                <a16:creationId xmlns:a16="http://schemas.microsoft.com/office/drawing/2014/main" id="{9C296025-583C-3748-A8FD-6A951A4BC4C0}"/>
+              </a:ext>
+            </a:extLst>
+          </p:cNvPr>
+          <p:cNvPicPr>
+            <a:picLocks noChangeAspect="1"/>
+          </p:cNvPicPr>
+          <p:nvPr/>
+        </p:nvPicPr>
+        <p:blipFill>
+          <a:blip r:embed="rId2"/>
+          <a:stretch>
+            <a:fillRect/>
+          </a:stretch>
+        </p:blipFill>
+        <p:spPr>
+          <a:xfrm>
+            <a:off x="1316349" y="0"/>
+            <a:ext cx="9559302" cy="6858000"/>
+          </a:xfrm>
+          <a:prstGeom prst="rect">
+            <a:avLst/>
+          </a:prstGeom>
+        </p:spPr>
+      </p:pic>
+    </p:spTree>
+    <p:extLst>
+      <p:ext uri="{BB962C8B-B14F-4D97-AF65-F5344CB8AC3E}">
+        <p14:creationId xmlns:p14="http://schemas.microsoft.com/office/powerpoint/2010/main" val="4166514030"/>
+      </p:ext>
+    </p:extLst>
+  </p:cSld>
+  <p:clrMapOvr>
+    <a:masterClrMapping/>
+  </p:clrMapOvr>
+</p:sld>
+</file>
+
+<file path=ppt/slides/slide25.xml><?xml version="1.0" encoding="utf-8"?>
+<p:sld xmlns:a="http://schemas.openxmlformats.org/drawingml/2006/main" xmlns:r="http://schemas.openxmlformats.org/officeDocument/2006/relationships" xmlns:p="http://schemas.openxmlformats.org/presentationml/2006/main">
+  <p:cSld>
+    <p:spTree>
+      <p:nvGrpSpPr>
+        <p:cNvPr id="1" name=""/>
+        <p:cNvGrpSpPr/>
+        <p:nvPr/>
+      </p:nvGrpSpPr>
+      <p:grpSpPr>
+        <a:xfrm>
+          <a:off x="0" y="0"/>
+          <a:ext cx="0" cy="0"/>
+          <a:chOff x="0" y="0"/>
+          <a:chExt cx="0" cy="0"/>
+        </a:xfrm>
+      </p:grpSpPr>
+      <p:pic>
+        <p:nvPicPr>
+          <p:cNvPr id="3" name="Picture 2">
+            <a:extLst>
+              <a:ext uri="{FF2B5EF4-FFF2-40B4-BE49-F238E27FC236}">
+                <a16:creationId xmlns:a16="http://schemas.microsoft.com/office/drawing/2014/main" id="{7661EC78-8EFC-B94C-B07A-E9246F07997D}"/>
+              </a:ext>
+            </a:extLst>
+          </p:cNvPr>
+          <p:cNvPicPr>
+            <a:picLocks noChangeAspect="1"/>
+          </p:cNvPicPr>
+          <p:nvPr/>
+        </p:nvPicPr>
+        <p:blipFill>
+          <a:blip r:embed="rId2"/>
+          <a:stretch>
+            <a:fillRect/>
+          </a:stretch>
+        </p:blipFill>
+        <p:spPr>
+          <a:xfrm>
+            <a:off x="1341412" y="0"/>
+            <a:ext cx="9509176" cy="6858000"/>
+          </a:xfrm>
+          <a:prstGeom prst="rect">
+            <a:avLst/>
+          </a:prstGeom>
+        </p:spPr>
+      </p:pic>
+    </p:spTree>
+    <p:extLst>
+      <p:ext uri="{BB962C8B-B14F-4D97-AF65-F5344CB8AC3E}">
+        <p14:creationId xmlns:p14="http://schemas.microsoft.com/office/powerpoint/2010/main" val="1969400792"/>
+      </p:ext>
+    </p:extLst>
+  </p:cSld>
+  <p:clrMapOvr>
+    <a:masterClrMapping/>
+  </p:clrMapOvr>
+</p:sld>
+</file>
+
+<file path=ppt/slides/slide26.xml><?xml version="1.0" encoding="utf-8"?>
+<p:sld xmlns:a="http://schemas.openxmlformats.org/drawingml/2006/main" xmlns:r="http://schemas.openxmlformats.org/officeDocument/2006/relationships" xmlns:p="http://schemas.openxmlformats.org/presentationml/2006/main">
+  <p:cSld>
+    <p:spTree>
+      <p:nvGrpSpPr>
+        <p:cNvPr id="1" name=""/>
+        <p:cNvGrpSpPr/>
+        <p:nvPr/>
+      </p:nvGrpSpPr>
+      <p:grpSpPr>
+        <a:xfrm>
+          <a:off x="0" y="0"/>
+          <a:ext cx="0" cy="0"/>
+          <a:chOff x="0" y="0"/>
+          <a:chExt cx="0" cy="0"/>
+        </a:xfrm>
+      </p:grpSpPr>
+      <p:pic>
+        <p:nvPicPr>
+          <p:cNvPr id="3" name="Picture 2">
+            <a:extLst>
+              <a:ext uri="{FF2B5EF4-FFF2-40B4-BE49-F238E27FC236}">
+                <a16:creationId xmlns:a16="http://schemas.microsoft.com/office/drawing/2014/main" id="{98CE7C5B-8C12-2D49-930E-D111878327E6}"/>
+              </a:ext>
+            </a:extLst>
+          </p:cNvPr>
+          <p:cNvPicPr>
+            <a:picLocks noChangeAspect="1"/>
+          </p:cNvPicPr>
+          <p:nvPr/>
+        </p:nvPicPr>
+        <p:blipFill>
+          <a:blip r:embed="rId2"/>
+          <a:stretch>
+            <a:fillRect/>
+          </a:stretch>
+        </p:blipFill>
+        <p:spPr>
+          <a:xfrm>
+            <a:off x="1282105" y="0"/>
+            <a:ext cx="9627790" cy="6858000"/>
+          </a:xfrm>
+          <a:prstGeom prst="rect">
+            <a:avLst/>
+          </a:prstGeom>
+        </p:spPr>
+      </p:pic>
+    </p:spTree>
+    <p:extLst>
+      <p:ext uri="{BB962C8B-B14F-4D97-AF65-F5344CB8AC3E}">
+        <p14:creationId xmlns:p14="http://schemas.microsoft.com/office/powerpoint/2010/main" val="1174438849"/>
+      </p:ext>
+    </p:extLst>
+  </p:cSld>
+  <p:clrMapOvr>
+    <a:masterClrMapping/>
+  </p:clrMapOvr>
+</p:sld>
+</file>
+
+<file path=ppt/slides/slide27.xml><?xml version="1.0" encoding="utf-8"?>
+<p:sld xmlns:a="http://schemas.openxmlformats.org/drawingml/2006/main" xmlns:r="http://schemas.openxmlformats.org/officeDocument/2006/relationships" xmlns:p="http://schemas.openxmlformats.org/presentationml/2006/main">
+  <p:cSld>
+    <p:spTree>
+      <p:nvGrpSpPr>
+        <p:cNvPr id="1" name=""/>
+        <p:cNvGrpSpPr/>
+        <p:nvPr/>
+      </p:nvGrpSpPr>
+      <p:grpSpPr>
+        <a:xfrm>
+          <a:off x="0" y="0"/>
+          <a:ext cx="0" cy="0"/>
+          <a:chOff x="0" y="0"/>
+          <a:chExt cx="0" cy="0"/>
+        </a:xfrm>
+      </p:grpSpPr>
+      <p:pic>
+        <p:nvPicPr>
+          <p:cNvPr id="5" name="Picture 4">
+            <a:extLst>
+              <a:ext uri="{FF2B5EF4-FFF2-40B4-BE49-F238E27FC236}">
+                <a16:creationId xmlns:a16="http://schemas.microsoft.com/office/drawing/2014/main" id="{BF971090-7B99-1E4C-AB24-8468514B3679}"/>
+              </a:ext>
+            </a:extLst>
+          </p:cNvPr>
+          <p:cNvPicPr>
+            <a:picLocks noChangeAspect="1"/>
+          </p:cNvPicPr>
+          <p:nvPr/>
+        </p:nvPicPr>
+        <p:blipFill>
+          <a:blip r:embed="rId2"/>
+          <a:stretch>
+            <a:fillRect/>
+          </a:stretch>
+        </p:blipFill>
+        <p:spPr>
+          <a:xfrm>
+            <a:off x="1335029" y="0"/>
+            <a:ext cx="9521942" cy="6858000"/>
+          </a:xfrm>
+          <a:prstGeom prst="rect">
+            <a:avLst/>
+          </a:prstGeom>
+        </p:spPr>
+      </p:pic>
+    </p:spTree>
+    <p:extLst>
+      <p:ext uri="{BB962C8B-B14F-4D97-AF65-F5344CB8AC3E}">
+        <p14:creationId xmlns:p14="http://schemas.microsoft.com/office/powerpoint/2010/main" val="1068331657"/>
+      </p:ext>
+    </p:extLst>
+  </p:cSld>
+  <p:clrMapOvr>
+    <a:masterClrMapping/>
+  </p:clrMapOvr>
+</p:sld>
+</file>
+
+<file path=ppt/slides/slide28.xml><?xml version="1.0" encoding="utf-8"?>
+<p:sld xmlns:a="http://schemas.openxmlformats.org/drawingml/2006/main" xmlns:r="http://schemas.openxmlformats.org/officeDocument/2006/relationships" xmlns:p="http://schemas.openxmlformats.org/presentationml/2006/main">
+  <p:cSld>
+    <p:spTree>
+      <p:nvGrpSpPr>
+        <p:cNvPr id="1" name=""/>
+        <p:cNvGrpSpPr/>
+        <p:nvPr/>
+      </p:nvGrpSpPr>
+      <p:grpSpPr>
+        <a:xfrm>
+          <a:off x="0" y="0"/>
+          <a:ext cx="0" cy="0"/>
+          <a:chOff x="0" y="0"/>
+          <a:chExt cx="0" cy="0"/>
+        </a:xfrm>
+      </p:grpSpPr>
+      <p:pic>
+        <p:nvPicPr>
+          <p:cNvPr id="3" name="Picture 2">
+            <a:extLst>
+              <a:ext uri="{FF2B5EF4-FFF2-40B4-BE49-F238E27FC236}">
+                <a16:creationId xmlns:a16="http://schemas.microsoft.com/office/drawing/2014/main" id="{7D7D5AC2-8A0C-364E-9C58-9C6E246B127B}"/>
+              </a:ext>
+            </a:extLst>
+          </p:cNvPr>
+          <p:cNvPicPr>
+            <a:picLocks noChangeAspect="1"/>
+          </p:cNvPicPr>
+          <p:nvPr/>
+        </p:nvPicPr>
+        <p:blipFill>
+          <a:blip r:embed="rId2"/>
+          <a:stretch>
+            <a:fillRect/>
+          </a:stretch>
+        </p:blipFill>
+        <p:spPr>
+          <a:xfrm>
+            <a:off x="1160234" y="0"/>
+            <a:ext cx="9871532" cy="6858000"/>
+          </a:xfrm>
+          <a:prstGeom prst="rect">
+            <a:avLst/>
+          </a:prstGeom>
+        </p:spPr>
+      </p:pic>
+    </p:spTree>
+    <p:extLst>
+      <p:ext uri="{BB962C8B-B14F-4D97-AF65-F5344CB8AC3E}">
+        <p14:creationId xmlns:p14="http://schemas.microsoft.com/office/powerpoint/2010/main" val="3416269632"/>
+      </p:ext>
+    </p:extLst>
+  </p:cSld>
+  <p:clrMapOvr>
+    <a:masterClrMapping/>
+  </p:clrMapOvr>
+</p:sld>
+</file>
+
+<file path=ppt/slides/slide29.xml><?xml version="1.0" encoding="utf-8"?>
+<p:sld xmlns:a="http://schemas.openxmlformats.org/drawingml/2006/main" xmlns:r="http://schemas.openxmlformats.org/officeDocument/2006/relationships" xmlns:p="http://schemas.openxmlformats.org/presentationml/2006/main">
+  <p:cSld>
+    <p:spTree>
+      <p:nvGrpSpPr>
+        <p:cNvPr id="1" name=""/>
+        <p:cNvGrpSpPr/>
+        <p:nvPr/>
+      </p:nvGrpSpPr>
+      <p:grpSpPr>
+        <a:xfrm>
+          <a:off x="0" y="0"/>
+          <a:ext cx="0" cy="0"/>
+          <a:chOff x="0" y="0"/>
+          <a:chExt cx="0" cy="0"/>
+        </a:xfrm>
+      </p:grpSpPr>
+      <p:pic>
+        <p:nvPicPr>
+          <p:cNvPr id="3" name="Picture 2">
+            <a:extLst>
+              <a:ext uri="{FF2B5EF4-FFF2-40B4-BE49-F238E27FC236}">
+                <a16:creationId xmlns:a16="http://schemas.microsoft.com/office/drawing/2014/main" id="{6D1E1FFD-3802-0944-9037-E19071161477}"/>
+              </a:ext>
+            </a:extLst>
+          </p:cNvPr>
+          <p:cNvPicPr>
+            <a:picLocks noChangeAspect="1"/>
+          </p:cNvPicPr>
+          <p:nvPr/>
+        </p:nvPicPr>
+        <p:blipFill>
+          <a:blip r:embed="rId2"/>
+          <a:stretch>
+            <a:fillRect/>
+          </a:stretch>
+        </p:blipFill>
+        <p:spPr>
+          <a:xfrm>
+            <a:off x="822270" y="0"/>
+            <a:ext cx="12115003" cy="6858000"/>
+          </a:xfrm>
+          <a:prstGeom prst="rect">
+            <a:avLst/>
+          </a:prstGeom>
+        </p:spPr>
+      </p:pic>
+    </p:spTree>
+    <p:extLst>
+      <p:ext uri="{BB962C8B-B14F-4D97-AF65-F5344CB8AC3E}">
+        <p14:creationId xmlns:p14="http://schemas.microsoft.com/office/powerpoint/2010/main" val="3760603668"/>
       </p:ext>
     </p:extLst>
   </p:cSld>
@@ -3946,6 +5205,577 @@
 </p:sld>
 </file>
 
+<file path=ppt/slides/slide30.xml><?xml version="1.0" encoding="utf-8"?>
+<p:sld xmlns:a="http://schemas.openxmlformats.org/drawingml/2006/main" xmlns:r="http://schemas.openxmlformats.org/officeDocument/2006/relationships" xmlns:p="http://schemas.openxmlformats.org/presentationml/2006/main">
+  <p:cSld>
+    <p:spTree>
+      <p:nvGrpSpPr>
+        <p:cNvPr id="1" name=""/>
+        <p:cNvGrpSpPr/>
+        <p:nvPr/>
+      </p:nvGrpSpPr>
+      <p:grpSpPr>
+        <a:xfrm>
+          <a:off x="0" y="0"/>
+          <a:ext cx="0" cy="0"/>
+          <a:chOff x="0" y="0"/>
+          <a:chExt cx="0" cy="0"/>
+        </a:xfrm>
+      </p:grpSpPr>
+      <p:pic>
+        <p:nvPicPr>
+          <p:cNvPr id="3" name="Picture 2">
+            <a:extLst>
+              <a:ext uri="{FF2B5EF4-FFF2-40B4-BE49-F238E27FC236}">
+                <a16:creationId xmlns:a16="http://schemas.microsoft.com/office/drawing/2014/main" id="{5CC24619-A232-B041-9D6D-201A8C714997}"/>
+              </a:ext>
+            </a:extLst>
+          </p:cNvPr>
+          <p:cNvPicPr>
+            <a:picLocks noChangeAspect="1"/>
+          </p:cNvPicPr>
+          <p:nvPr/>
+        </p:nvPicPr>
+        <p:blipFill>
+          <a:blip r:embed="rId2"/>
+          <a:stretch>
+            <a:fillRect/>
+          </a:stretch>
+        </p:blipFill>
+        <p:spPr>
+          <a:xfrm>
+            <a:off x="1568450" y="2159000"/>
+            <a:ext cx="9055100" cy="2540000"/>
+          </a:xfrm>
+          <a:prstGeom prst="rect">
+            <a:avLst/>
+          </a:prstGeom>
+        </p:spPr>
+      </p:pic>
+      <p:sp>
+        <p:nvSpPr>
+          <p:cNvPr id="4" name="Title 3">
+            <a:extLst>
+              <a:ext uri="{FF2B5EF4-FFF2-40B4-BE49-F238E27FC236}">
+                <a16:creationId xmlns:a16="http://schemas.microsoft.com/office/drawing/2014/main" id="{4B30F2FD-BFAA-7549-8617-D95C87369F6D}"/>
+              </a:ext>
+            </a:extLst>
+          </p:cNvPr>
+          <p:cNvSpPr>
+            <a:spLocks noGrp="1"/>
+          </p:cNvSpPr>
+          <p:nvPr>
+            <p:ph type="title"/>
+          </p:nvPr>
+        </p:nvSpPr>
+        <p:spPr/>
+        <p:txBody>
+          <a:bodyPr/>
+          <a:lstStyle/>
+          <a:p>
+            <a:r>
+              <a:rPr lang="en-US" dirty="0"/>
+              <a:t>Cloud Credential crashed a few times</a:t>
+            </a:r>
+          </a:p>
+        </p:txBody>
+      </p:sp>
+    </p:spTree>
+    <p:extLst>
+      <p:ext uri="{BB962C8B-B14F-4D97-AF65-F5344CB8AC3E}">
+        <p14:creationId xmlns:p14="http://schemas.microsoft.com/office/powerpoint/2010/main" val="2933734168"/>
+      </p:ext>
+    </p:extLst>
+  </p:cSld>
+  <p:clrMapOvr>
+    <a:masterClrMapping/>
+  </p:clrMapOvr>
+</p:sld>
+</file>
+
+<file path=ppt/slides/slide31.xml><?xml version="1.0" encoding="utf-8"?>
+<p:sld xmlns:a="http://schemas.openxmlformats.org/drawingml/2006/main" xmlns:r="http://schemas.openxmlformats.org/officeDocument/2006/relationships" xmlns:p="http://schemas.openxmlformats.org/presentationml/2006/main">
+  <p:cSld>
+    <p:spTree>
+      <p:nvGrpSpPr>
+        <p:cNvPr id="1" name=""/>
+        <p:cNvGrpSpPr/>
+        <p:nvPr/>
+      </p:nvGrpSpPr>
+      <p:grpSpPr>
+        <a:xfrm>
+          <a:off x="0" y="0"/>
+          <a:ext cx="0" cy="0"/>
+          <a:chOff x="0" y="0"/>
+          <a:chExt cx="0" cy="0"/>
+        </a:xfrm>
+      </p:grpSpPr>
+      <p:pic>
+        <p:nvPicPr>
+          <p:cNvPr id="9" name="Picture 8">
+            <a:extLst>
+              <a:ext uri="{FF2B5EF4-FFF2-40B4-BE49-F238E27FC236}">
+                <a16:creationId xmlns:a16="http://schemas.microsoft.com/office/drawing/2014/main" id="{0E837BD8-F960-5E4C-9748-AF2237FCB7E7}"/>
+              </a:ext>
+            </a:extLst>
+          </p:cNvPr>
+          <p:cNvPicPr>
+            <a:picLocks noChangeAspect="1"/>
+          </p:cNvPicPr>
+          <p:nvPr/>
+        </p:nvPicPr>
+        <p:blipFill>
+          <a:blip r:embed="rId2"/>
+          <a:stretch>
+            <a:fillRect/>
+          </a:stretch>
+        </p:blipFill>
+        <p:spPr>
+          <a:xfrm>
+            <a:off x="1625350" y="0"/>
+            <a:ext cx="8941300" cy="6858000"/>
+          </a:xfrm>
+          <a:prstGeom prst="rect">
+            <a:avLst/>
+          </a:prstGeom>
+        </p:spPr>
+      </p:pic>
+    </p:spTree>
+    <p:extLst>
+      <p:ext uri="{BB962C8B-B14F-4D97-AF65-F5344CB8AC3E}">
+        <p14:creationId xmlns:p14="http://schemas.microsoft.com/office/powerpoint/2010/main" val="2133539622"/>
+      </p:ext>
+    </p:extLst>
+  </p:cSld>
+  <p:clrMapOvr>
+    <a:masterClrMapping/>
+  </p:clrMapOvr>
+</p:sld>
+</file>
+
+<file path=ppt/slides/slide32.xml><?xml version="1.0" encoding="utf-8"?>
+<p:sld xmlns:a="http://schemas.openxmlformats.org/drawingml/2006/main" xmlns:r="http://schemas.openxmlformats.org/officeDocument/2006/relationships" xmlns:p="http://schemas.openxmlformats.org/presentationml/2006/main">
+  <p:cSld>
+    <p:spTree>
+      <p:nvGrpSpPr>
+        <p:cNvPr id="1" name=""/>
+        <p:cNvGrpSpPr/>
+        <p:nvPr/>
+      </p:nvGrpSpPr>
+      <p:grpSpPr>
+        <a:xfrm>
+          <a:off x="0" y="0"/>
+          <a:ext cx="0" cy="0"/>
+          <a:chOff x="0" y="0"/>
+          <a:chExt cx="0" cy="0"/>
+        </a:xfrm>
+      </p:grpSpPr>
+      <p:pic>
+        <p:nvPicPr>
+          <p:cNvPr id="3" name="Picture 2">
+            <a:extLst>
+              <a:ext uri="{FF2B5EF4-FFF2-40B4-BE49-F238E27FC236}">
+                <a16:creationId xmlns:a16="http://schemas.microsoft.com/office/drawing/2014/main" id="{0A8DD57A-A358-904F-A719-59F4BD3F6205}"/>
+              </a:ext>
+            </a:extLst>
+          </p:cNvPr>
+          <p:cNvPicPr>
+            <a:picLocks noChangeAspect="1"/>
+          </p:cNvPicPr>
+          <p:nvPr/>
+        </p:nvPicPr>
+        <p:blipFill>
+          <a:blip r:embed="rId2"/>
+          <a:stretch>
+            <a:fillRect/>
+          </a:stretch>
+        </p:blipFill>
+        <p:spPr>
+          <a:xfrm>
+            <a:off x="899010" y="0"/>
+            <a:ext cx="10393980" cy="6858000"/>
+          </a:xfrm>
+          <a:prstGeom prst="rect">
+            <a:avLst/>
+          </a:prstGeom>
+        </p:spPr>
+      </p:pic>
+    </p:spTree>
+    <p:extLst>
+      <p:ext uri="{BB962C8B-B14F-4D97-AF65-F5344CB8AC3E}">
+        <p14:creationId xmlns:p14="http://schemas.microsoft.com/office/powerpoint/2010/main" val="310607744"/>
+      </p:ext>
+    </p:extLst>
+  </p:cSld>
+  <p:clrMapOvr>
+    <a:masterClrMapping/>
+  </p:clrMapOvr>
+</p:sld>
+</file>
+
+<file path=ppt/slides/slide33.xml><?xml version="1.0" encoding="utf-8"?>
+<p:sld xmlns:a="http://schemas.openxmlformats.org/drawingml/2006/main" xmlns:r="http://schemas.openxmlformats.org/officeDocument/2006/relationships" xmlns:p="http://schemas.openxmlformats.org/presentationml/2006/main">
+  <p:cSld>
+    <p:spTree>
+      <p:nvGrpSpPr>
+        <p:cNvPr id="1" name=""/>
+        <p:cNvGrpSpPr/>
+        <p:nvPr/>
+      </p:nvGrpSpPr>
+      <p:grpSpPr>
+        <a:xfrm>
+          <a:off x="0" y="0"/>
+          <a:ext cx="0" cy="0"/>
+          <a:chOff x="0" y="0"/>
+          <a:chExt cx="0" cy="0"/>
+        </a:xfrm>
+      </p:grpSpPr>
+      <p:sp>
+        <p:nvSpPr>
+          <p:cNvPr id="2" name="Title 1">
+            <a:extLst>
+              <a:ext uri="{FF2B5EF4-FFF2-40B4-BE49-F238E27FC236}">
+                <a16:creationId xmlns:a16="http://schemas.microsoft.com/office/drawing/2014/main" id="{F11BB6C5-B0BC-284D-B750-03E902999E52}"/>
+              </a:ext>
+            </a:extLst>
+          </p:cNvPr>
+          <p:cNvSpPr>
+            <a:spLocks noGrp="1"/>
+          </p:cNvSpPr>
+          <p:nvPr>
+            <p:ph type="title"/>
+          </p:nvPr>
+        </p:nvSpPr>
+        <p:spPr/>
+        <p:txBody>
+          <a:bodyPr/>
+          <a:lstStyle/>
+          <a:p>
+            <a:r>
+              <a:rPr lang="en-US" dirty="0"/>
+              <a:t>Current Status</a:t>
+            </a:r>
+          </a:p>
+        </p:txBody>
+      </p:sp>
+      <p:sp>
+        <p:nvSpPr>
+          <p:cNvPr id="3" name="Content Placeholder 2">
+            <a:extLst>
+              <a:ext uri="{FF2B5EF4-FFF2-40B4-BE49-F238E27FC236}">
+                <a16:creationId xmlns:a16="http://schemas.microsoft.com/office/drawing/2014/main" id="{F2711C76-5A4E-C342-B33A-483915423E9F}"/>
+              </a:ext>
+            </a:extLst>
+          </p:cNvPr>
+          <p:cNvSpPr>
+            <a:spLocks noGrp="1"/>
+          </p:cNvSpPr>
+          <p:nvPr>
+            <p:ph idx="1"/>
+          </p:nvPr>
+        </p:nvSpPr>
+        <p:spPr/>
+        <p:txBody>
+          <a:bodyPr>
+            <a:normAutofit/>
+          </a:bodyPr>
+          <a:lstStyle/>
+          <a:p>
+            <a:r>
+              <a:rPr lang="en-US" dirty="0"/>
+              <a:t>Completed</a:t>
+            </a:r>
+          </a:p>
+          <a:p>
+            <a:pPr lvl="1"/>
+            <a:r>
+              <a:rPr lang="en-US" dirty="0"/>
+              <a:t>Initial Overview Presentation Created – Will keep it updated</a:t>
+            </a:r>
+          </a:p>
+          <a:p>
+            <a:pPr lvl="1"/>
+            <a:r>
+              <a:rPr lang="en-US" dirty="0"/>
+              <a:t>Initial Proof of concept on setup of cloud provider testing in progress</a:t>
+            </a:r>
+          </a:p>
+          <a:p>
+            <a:r>
+              <a:rPr lang="en-US" dirty="0"/>
+              <a:t>New Cards</a:t>
+            </a:r>
+          </a:p>
+          <a:p>
+            <a:pPr lvl="1"/>
+            <a:r>
+              <a:rPr lang="en-US" dirty="0"/>
+              <a:t>Move to 4.3</a:t>
+            </a:r>
+          </a:p>
+          <a:p>
+            <a:pPr lvl="1"/>
+            <a:r>
+              <a:rPr lang="en-US" dirty="0"/>
+              <a:t>Automate the manifests changes for identity, and resource group name</a:t>
+            </a:r>
+          </a:p>
+        </p:txBody>
+      </p:sp>
+    </p:spTree>
+    <p:extLst>
+      <p:ext uri="{BB962C8B-B14F-4D97-AF65-F5344CB8AC3E}">
+        <p14:creationId xmlns:p14="http://schemas.microsoft.com/office/powerpoint/2010/main" val="1385610716"/>
+      </p:ext>
+    </p:extLst>
+  </p:cSld>
+  <p:clrMapOvr>
+    <a:masterClrMapping/>
+  </p:clrMapOvr>
+</p:sld>
+</file>
+
+<file path=ppt/slides/slide34.xml><?xml version="1.0" encoding="utf-8"?>
+<p:sld xmlns:a="http://schemas.openxmlformats.org/drawingml/2006/main" xmlns:r="http://schemas.openxmlformats.org/officeDocument/2006/relationships" xmlns:p="http://schemas.openxmlformats.org/presentationml/2006/main">
+  <p:cSld>
+    <p:spTree>
+      <p:nvGrpSpPr>
+        <p:cNvPr id="1" name=""/>
+        <p:cNvGrpSpPr/>
+        <p:nvPr/>
+      </p:nvGrpSpPr>
+      <p:grpSpPr>
+        <a:xfrm>
+          <a:off x="0" y="0"/>
+          <a:ext cx="0" cy="0"/>
+          <a:chOff x="0" y="0"/>
+          <a:chExt cx="0" cy="0"/>
+        </a:xfrm>
+      </p:grpSpPr>
+      <p:sp>
+        <p:nvSpPr>
+          <p:cNvPr id="2" name="Title 1">
+            <a:extLst>
+              <a:ext uri="{FF2B5EF4-FFF2-40B4-BE49-F238E27FC236}">
+                <a16:creationId xmlns:a16="http://schemas.microsoft.com/office/drawing/2014/main" id="{7A70E280-DC34-3545-B5A9-017811B4F2A1}"/>
+              </a:ext>
+            </a:extLst>
+          </p:cNvPr>
+          <p:cNvSpPr>
+            <a:spLocks noGrp="1"/>
+          </p:cNvSpPr>
+          <p:nvPr>
+            <p:ph type="title"/>
+          </p:nvPr>
+        </p:nvSpPr>
+        <p:spPr/>
+        <p:txBody>
+          <a:bodyPr/>
+          <a:lstStyle/>
+          <a:p>
+            <a:r>
+              <a:rPr lang="en-US" dirty="0"/>
+              <a:t>Resolved Issues</a:t>
+            </a:r>
+          </a:p>
+        </p:txBody>
+      </p:sp>
+      <p:sp>
+        <p:nvSpPr>
+          <p:cNvPr id="3" name="Content Placeholder 2">
+            <a:extLst>
+              <a:ext uri="{FF2B5EF4-FFF2-40B4-BE49-F238E27FC236}">
+                <a16:creationId xmlns:a16="http://schemas.microsoft.com/office/drawing/2014/main" id="{0342FF54-FC07-5241-9279-725B9F7412D6}"/>
+              </a:ext>
+            </a:extLst>
+          </p:cNvPr>
+          <p:cNvSpPr>
+            <a:spLocks noGrp="1"/>
+          </p:cNvSpPr>
+          <p:nvPr>
+            <p:ph idx="1"/>
+          </p:nvPr>
+        </p:nvSpPr>
+        <p:spPr/>
+        <p:txBody>
+          <a:bodyPr/>
+          <a:lstStyle/>
+          <a:p>
+            <a:r>
+              <a:rPr lang="en-US" dirty="0"/>
+              <a:t>Resolved Issues</a:t>
+            </a:r>
+          </a:p>
+          <a:p>
+            <a:pPr lvl="1"/>
+            <a:r>
+              <a:rPr lang="en-US" dirty="0"/>
+              <a:t>Cluster not booting due to manifests missing </a:t>
+            </a:r>
+          </a:p>
+          <a:p>
+            <a:pPr lvl="1"/>
+            <a:r>
+              <a:rPr lang="en-US" dirty="0" err="1"/>
+              <a:t>Qouta</a:t>
+            </a:r>
+            <a:r>
+              <a:rPr lang="en-US" dirty="0"/>
+              <a:t> issues resolved.</a:t>
+            </a:r>
+          </a:p>
+          <a:p>
+            <a:r>
+              <a:rPr lang="en-US" dirty="0"/>
+              <a:t>Blockers</a:t>
+            </a:r>
+          </a:p>
+          <a:p>
+            <a:pPr marL="0" indent="0">
+              <a:buNone/>
+            </a:pPr>
+            <a:endParaRPr lang="en-US" dirty="0"/>
+          </a:p>
+        </p:txBody>
+      </p:sp>
+    </p:spTree>
+    <p:extLst>
+      <p:ext uri="{BB962C8B-B14F-4D97-AF65-F5344CB8AC3E}">
+        <p14:creationId xmlns:p14="http://schemas.microsoft.com/office/powerpoint/2010/main" val="672908473"/>
+      </p:ext>
+    </p:extLst>
+  </p:cSld>
+  <p:clrMapOvr>
+    <a:masterClrMapping/>
+  </p:clrMapOvr>
+</p:sld>
+</file>
+
+<file path=ppt/slides/slide35.xml><?xml version="1.0" encoding="utf-8"?>
+<p:sld xmlns:a="http://schemas.openxmlformats.org/drawingml/2006/main" xmlns:r="http://schemas.openxmlformats.org/officeDocument/2006/relationships" xmlns:p="http://schemas.openxmlformats.org/presentationml/2006/main">
+  <p:cSld>
+    <p:spTree>
+      <p:nvGrpSpPr>
+        <p:cNvPr id="1" name=""/>
+        <p:cNvGrpSpPr/>
+        <p:nvPr/>
+      </p:nvGrpSpPr>
+      <p:grpSpPr>
+        <a:xfrm>
+          <a:off x="0" y="0"/>
+          <a:ext cx="0" cy="0"/>
+          <a:chOff x="0" y="0"/>
+          <a:chExt cx="0" cy="0"/>
+        </a:xfrm>
+      </p:grpSpPr>
+      <p:sp>
+        <p:nvSpPr>
+          <p:cNvPr id="2" name="Title 1">
+            <a:extLst>
+              <a:ext uri="{FF2B5EF4-FFF2-40B4-BE49-F238E27FC236}">
+                <a16:creationId xmlns:a16="http://schemas.microsoft.com/office/drawing/2014/main" id="{A8C54662-DEF1-F942-9F6F-F82BD2B52B35}"/>
+              </a:ext>
+            </a:extLst>
+          </p:cNvPr>
+          <p:cNvSpPr>
+            <a:spLocks noGrp="1"/>
+          </p:cNvSpPr>
+          <p:nvPr>
+            <p:ph type="title"/>
+          </p:nvPr>
+        </p:nvSpPr>
+        <p:spPr/>
+        <p:txBody>
+          <a:bodyPr/>
+          <a:lstStyle/>
+          <a:p>
+            <a:r>
+              <a:rPr lang="en-US" dirty="0"/>
+              <a:t>Where’s it at:</a:t>
+            </a:r>
+          </a:p>
+        </p:txBody>
+      </p:sp>
+      <p:pic>
+        <p:nvPicPr>
+          <p:cNvPr id="5" name="Content Placeholder 4">
+            <a:extLst>
+              <a:ext uri="{FF2B5EF4-FFF2-40B4-BE49-F238E27FC236}">
+                <a16:creationId xmlns:a16="http://schemas.microsoft.com/office/drawing/2014/main" id="{A72C5B3E-AACC-744E-8BEE-6788FF38C896}"/>
+              </a:ext>
+            </a:extLst>
+          </p:cNvPr>
+          <p:cNvPicPr>
+            <a:picLocks noGrp="1" noChangeAspect="1"/>
+          </p:cNvPicPr>
+          <p:nvPr>
+            <p:ph idx="1"/>
+          </p:nvPr>
+        </p:nvPicPr>
+        <p:blipFill>
+          <a:blip r:embed="rId2"/>
+          <a:stretch>
+            <a:fillRect/>
+          </a:stretch>
+        </p:blipFill>
+        <p:spPr>
+          <a:xfrm>
+            <a:off x="2097473" y="1825625"/>
+            <a:ext cx="7997053" cy="4351338"/>
+          </a:xfrm>
+        </p:spPr>
+      </p:pic>
+      <p:sp>
+        <p:nvSpPr>
+          <p:cNvPr id="6" name="TextBox 5">
+            <a:extLst>
+              <a:ext uri="{FF2B5EF4-FFF2-40B4-BE49-F238E27FC236}">
+                <a16:creationId xmlns:a16="http://schemas.microsoft.com/office/drawing/2014/main" id="{086F95A8-E67A-234E-AD28-B142E36EF402}"/>
+              </a:ext>
+            </a:extLst>
+          </p:cNvPr>
+          <p:cNvSpPr txBox="1"/>
+          <p:nvPr/>
+        </p:nvSpPr>
+        <p:spPr>
+          <a:xfrm>
+            <a:off x="3422822" y="6311900"/>
+            <a:ext cx="11108724" cy="369332"/>
+          </a:xfrm>
+          <a:prstGeom prst="rect">
+            <a:avLst/>
+          </a:prstGeom>
+          <a:noFill/>
+        </p:spPr>
+        <p:txBody>
+          <a:bodyPr wrap="square" rtlCol="0">
+            <a:spAutoFit/>
+          </a:bodyPr>
+          <a:lstStyle/>
+          <a:p>
+            <a:r>
+              <a:rPr lang="en-SG" dirty="0">
+                <a:hlinkClick r:id="rId3"/>
+              </a:rPr>
+              <a:t>https://github.com/glennswest/ocpupi4azure/tree/master/4.1</a:t>
+            </a:r>
+            <a:endParaRPr lang="en-US" dirty="0"/>
+          </a:p>
+        </p:txBody>
+      </p:sp>
+    </p:spTree>
+    <p:extLst>
+      <p:ext uri="{BB962C8B-B14F-4D97-AF65-F5344CB8AC3E}">
+        <p14:creationId xmlns:p14="http://schemas.microsoft.com/office/powerpoint/2010/main" val="1371541681"/>
+      </p:ext>
+    </p:extLst>
+  </p:cSld>
+  <p:clrMapOvr>
+    <a:masterClrMapping/>
+  </p:clrMapOvr>
+</p:sld>
+</file>
+
 <file path=ppt/slides/slide4.xml><?xml version="1.0" encoding="utf-8"?>
 <p:sld xmlns:a="http://schemas.openxmlformats.org/drawingml/2006/main" xmlns:r="http://schemas.openxmlformats.org/officeDocument/2006/relationships" xmlns:p="http://schemas.openxmlformats.org/presentationml/2006/main">
   <p:cSld>
@@ -3968,123 +5798,6 @@
           <p:cNvPr id="2" name="Title 1">
             <a:extLst>
               <a:ext uri="{FF2B5EF4-FFF2-40B4-BE49-F238E27FC236}">
-                <a16:creationId xmlns:a16="http://schemas.microsoft.com/office/drawing/2014/main" id="{A16E4B8F-8AAC-EF4F-9002-4AA4CB037E76}"/>
-              </a:ext>
-            </a:extLst>
-          </p:cNvPr>
-          <p:cNvSpPr>
-            <a:spLocks noGrp="1"/>
-          </p:cNvSpPr>
-          <p:nvPr>
-            <p:ph type="title"/>
-          </p:nvPr>
-        </p:nvSpPr>
-        <p:spPr/>
-        <p:txBody>
-          <a:bodyPr/>
-          <a:lstStyle/>
-          <a:p>
-            <a:r>
-              <a:rPr lang="en-US" dirty="0"/>
-              <a:t>Initial Test 4.2GA with Azure Cloud Provider</a:t>
-            </a:r>
-          </a:p>
-        </p:txBody>
-      </p:sp>
-      <p:pic>
-        <p:nvPicPr>
-          <p:cNvPr id="7" name="Content Placeholder 6">
-            <a:extLst>
-              <a:ext uri="{FF2B5EF4-FFF2-40B4-BE49-F238E27FC236}">
-                <a16:creationId xmlns:a16="http://schemas.microsoft.com/office/drawing/2014/main" id="{D6B3B42E-1081-6646-AA69-609D9D0AB0F0}"/>
-              </a:ext>
-            </a:extLst>
-          </p:cNvPr>
-          <p:cNvPicPr>
-            <a:picLocks noGrp="1" noChangeAspect="1"/>
-          </p:cNvPicPr>
-          <p:nvPr>
-            <p:ph idx="1"/>
-          </p:nvPr>
-        </p:nvPicPr>
-        <p:blipFill>
-          <a:blip r:embed="rId2"/>
-          <a:stretch>
-            <a:fillRect/>
-          </a:stretch>
-        </p:blipFill>
-        <p:spPr>
-          <a:xfrm>
-            <a:off x="627017" y="1525074"/>
-            <a:ext cx="10515600" cy="1909505"/>
-          </a:xfrm>
-        </p:spPr>
-      </p:pic>
-      <p:pic>
-        <p:nvPicPr>
-          <p:cNvPr id="9" name="Picture 8">
-            <a:extLst>
-              <a:ext uri="{FF2B5EF4-FFF2-40B4-BE49-F238E27FC236}">
-                <a16:creationId xmlns:a16="http://schemas.microsoft.com/office/drawing/2014/main" id="{51D0A6D9-082B-2C44-A884-B356D133FFE4}"/>
-              </a:ext>
-            </a:extLst>
-          </p:cNvPr>
-          <p:cNvPicPr>
-            <a:picLocks noChangeAspect="1"/>
-          </p:cNvPicPr>
-          <p:nvPr/>
-        </p:nvPicPr>
-        <p:blipFill>
-          <a:blip r:embed="rId3"/>
-          <a:stretch>
-            <a:fillRect/>
-          </a:stretch>
-        </p:blipFill>
-        <p:spPr>
-          <a:xfrm>
-            <a:off x="627017" y="3429000"/>
-            <a:ext cx="12192000" cy="3395726"/>
-          </a:xfrm>
-          <a:prstGeom prst="rect">
-            <a:avLst/>
-          </a:prstGeom>
-        </p:spPr>
-      </p:pic>
-    </p:spTree>
-    <p:extLst>
-      <p:ext uri="{BB962C8B-B14F-4D97-AF65-F5344CB8AC3E}">
-        <p14:creationId xmlns:p14="http://schemas.microsoft.com/office/powerpoint/2010/main" val="3877952926"/>
-      </p:ext>
-    </p:extLst>
-  </p:cSld>
-  <p:clrMapOvr>
-    <a:masterClrMapping/>
-  </p:clrMapOvr>
-</p:sld>
-</file>
-
-<file path=ppt/slides/slide5.xml><?xml version="1.0" encoding="utf-8"?>
-<p:sld xmlns:a="http://schemas.openxmlformats.org/drawingml/2006/main" xmlns:r="http://schemas.openxmlformats.org/officeDocument/2006/relationships" xmlns:p="http://schemas.openxmlformats.org/presentationml/2006/main">
-  <p:cSld>
-    <p:spTree>
-      <p:nvGrpSpPr>
-        <p:cNvPr id="1" name=""/>
-        <p:cNvGrpSpPr/>
-        <p:nvPr/>
-      </p:nvGrpSpPr>
-      <p:grpSpPr>
-        <a:xfrm>
-          <a:off x="0" y="0"/>
-          <a:ext cx="0" cy="0"/>
-          <a:chOff x="0" y="0"/>
-          <a:chExt cx="0" cy="0"/>
-        </a:xfrm>
-      </p:grpSpPr>
-      <p:sp>
-        <p:nvSpPr>
-          <p:cNvPr id="2" name="Title 1">
-            <a:extLst>
-              <a:ext uri="{FF2B5EF4-FFF2-40B4-BE49-F238E27FC236}">
                 <a16:creationId xmlns:a16="http://schemas.microsoft.com/office/drawing/2014/main" id="{267D26BB-F3CC-794E-B569-F2F9BEDF987F}"/>
               </a:ext>
             </a:extLst>
@@ -4240,7 +5953,7 @@
 </p:sld>
 </file>
 
-<file path=ppt/slides/slide6.xml><?xml version="1.0" encoding="utf-8"?>
+<file path=ppt/slides/slide5.xml><?xml version="1.0" encoding="utf-8"?>
 <p:sld xmlns:a="http://schemas.openxmlformats.org/drawingml/2006/main" xmlns:r="http://schemas.openxmlformats.org/officeDocument/2006/relationships" xmlns:p="http://schemas.openxmlformats.org/presentationml/2006/main">
   <p:cSld>
     <p:spTree>
@@ -4327,6 +6040,97 @@
 </p:sld>
 </file>
 
+<file path=ppt/slides/slide6.xml><?xml version="1.0" encoding="utf-8"?>
+<p:sld xmlns:a="http://schemas.openxmlformats.org/drawingml/2006/main" xmlns:r="http://schemas.openxmlformats.org/officeDocument/2006/relationships" xmlns:p="http://schemas.openxmlformats.org/presentationml/2006/main">
+  <p:cSld>
+    <p:spTree>
+      <p:nvGrpSpPr>
+        <p:cNvPr id="1" name=""/>
+        <p:cNvGrpSpPr/>
+        <p:nvPr/>
+      </p:nvGrpSpPr>
+      <p:grpSpPr>
+        <a:xfrm>
+          <a:off x="0" y="0"/>
+          <a:ext cx="0" cy="0"/>
+          <a:chOff x="0" y="0"/>
+          <a:chExt cx="0" cy="0"/>
+        </a:xfrm>
+      </p:grpSpPr>
+      <p:sp>
+        <p:nvSpPr>
+          <p:cNvPr id="2" name="Title 1">
+            <a:extLst>
+              <a:ext uri="{FF2B5EF4-FFF2-40B4-BE49-F238E27FC236}">
+                <a16:creationId xmlns:a16="http://schemas.microsoft.com/office/drawing/2014/main" id="{256FB2B1-2B5D-C64A-9C16-1BF31A3A51BA}"/>
+              </a:ext>
+            </a:extLst>
+          </p:cNvPr>
+          <p:cNvSpPr>
+            <a:spLocks noGrp="1"/>
+          </p:cNvSpPr>
+          <p:nvPr>
+            <p:ph type="title"/>
+          </p:nvPr>
+        </p:nvSpPr>
+        <p:spPr/>
+        <p:txBody>
+          <a:bodyPr/>
+          <a:lstStyle/>
+          <a:p>
+            <a:r>
+              <a:rPr lang="en-US" dirty="0" err="1"/>
+              <a:t>AppLoad</a:t>
+            </a:r>
+            <a:r>
+              <a:rPr lang="en-US" dirty="0"/>
+              <a:t> Balancer</a:t>
+            </a:r>
+          </a:p>
+        </p:txBody>
+      </p:sp>
+      <p:pic>
+        <p:nvPicPr>
+          <p:cNvPr id="5" name="Content Placeholder 4">
+            <a:extLst>
+              <a:ext uri="{FF2B5EF4-FFF2-40B4-BE49-F238E27FC236}">
+                <a16:creationId xmlns:a16="http://schemas.microsoft.com/office/drawing/2014/main" id="{AEC76147-4D82-3A4B-988E-8A40DF167EB8}"/>
+              </a:ext>
+            </a:extLst>
+          </p:cNvPr>
+          <p:cNvPicPr>
+            <a:picLocks noGrp="1" noChangeAspect="1"/>
+          </p:cNvPicPr>
+          <p:nvPr>
+            <p:ph idx="1"/>
+          </p:nvPr>
+        </p:nvPicPr>
+        <p:blipFill>
+          <a:blip r:embed="rId2"/>
+          <a:stretch>
+            <a:fillRect/>
+          </a:stretch>
+        </p:blipFill>
+        <p:spPr>
+          <a:xfrm>
+            <a:off x="838200" y="2688730"/>
+            <a:ext cx="10515600" cy="2625128"/>
+          </a:xfrm>
+        </p:spPr>
+      </p:pic>
+    </p:spTree>
+    <p:extLst>
+      <p:ext uri="{BB962C8B-B14F-4D97-AF65-F5344CB8AC3E}">
+        <p14:creationId xmlns:p14="http://schemas.microsoft.com/office/powerpoint/2010/main" val="3643168605"/>
+      </p:ext>
+    </p:extLst>
+  </p:cSld>
+  <p:clrMapOvr>
+    <a:masterClrMapping/>
+  </p:clrMapOvr>
+</p:sld>
+</file>
+
 <file path=ppt/slides/slide7.xml><?xml version="1.0" encoding="utf-8"?>
 <p:sld xmlns:a="http://schemas.openxmlformats.org/drawingml/2006/main" xmlns:r="http://schemas.openxmlformats.org/officeDocument/2006/relationships" xmlns:p="http://schemas.openxmlformats.org/presentationml/2006/main">
   <p:cSld>
@@ -4349,7 +6153,7 @@
           <p:cNvPr id="2" name="Title 1">
             <a:extLst>
               <a:ext uri="{FF2B5EF4-FFF2-40B4-BE49-F238E27FC236}">
-                <a16:creationId xmlns:a16="http://schemas.microsoft.com/office/drawing/2014/main" id="{92AD8138-DDCC-9344-9653-60555FFAA265}"/>
+                <a16:creationId xmlns:a16="http://schemas.microsoft.com/office/drawing/2014/main" id="{AED34252-4C01-7544-9251-16A1836D3799}"/>
               </a:ext>
             </a:extLst>
           </p:cNvPr>
@@ -4367,66 +6171,44 @@
           <a:p>
             <a:r>
               <a:rPr lang="en-US" dirty="0"/>
-              <a:t>Minor Enhancements</a:t>
-            </a:r>
-          </a:p>
-        </p:txBody>
-      </p:sp>
-      <p:sp>
-        <p:nvSpPr>
-          <p:cNvPr id="3" name="Content Placeholder 2">
+              <a:t>App Load Balancer Hosts</a:t>
+            </a:r>
+          </a:p>
+        </p:txBody>
+      </p:sp>
+      <p:pic>
+        <p:nvPicPr>
+          <p:cNvPr id="5" name="Content Placeholder 4">
             <a:extLst>
               <a:ext uri="{FF2B5EF4-FFF2-40B4-BE49-F238E27FC236}">
-                <a16:creationId xmlns:a16="http://schemas.microsoft.com/office/drawing/2014/main" id="{3FE9B2E6-C4BB-234C-81BB-80AA3CC00F80}"/>
+                <a16:creationId xmlns:a16="http://schemas.microsoft.com/office/drawing/2014/main" id="{44D8AE78-1014-4649-803C-8BB712805731}"/>
               </a:ext>
             </a:extLst>
           </p:cNvPr>
-          <p:cNvSpPr>
-            <a:spLocks noGrp="1"/>
-          </p:cNvSpPr>
+          <p:cNvPicPr>
+            <a:picLocks noGrp="1" noChangeAspect="1"/>
+          </p:cNvPicPr>
           <p:nvPr>
             <p:ph idx="1"/>
           </p:nvPr>
-        </p:nvSpPr>
-        <p:spPr/>
-        <p:txBody>
-          <a:bodyPr/>
-          <a:lstStyle/>
-          <a:p>
-            <a:r>
-              <a:rPr lang="en-US" dirty="0"/>
-              <a:t>Updated </a:t>
-            </a:r>
-            <a:r>
-              <a:rPr lang="en-US" dirty="0" err="1"/>
-              <a:t>readme.md</a:t>
-            </a:r>
-            <a:r>
-              <a:rPr lang="en-US" dirty="0"/>
-              <a:t> to point to overview</a:t>
-            </a:r>
-          </a:p>
-          <a:p>
-            <a:r>
-              <a:rPr lang="en-US" dirty="0"/>
-              <a:t>Make region a environment variable</a:t>
-            </a:r>
-          </a:p>
-          <a:p>
-            <a:r>
-              <a:rPr lang="en-US" dirty="0"/>
-              <a:t>Change default region to Central US</a:t>
-            </a:r>
-          </a:p>
-          <a:p>
-            <a:endParaRPr lang="en-US" dirty="0"/>
-          </a:p>
-        </p:txBody>
-      </p:sp>
+        </p:nvPicPr>
+        <p:blipFill>
+          <a:blip r:embed="rId2"/>
+          <a:stretch>
+            <a:fillRect/>
+          </a:stretch>
+        </p:blipFill>
+        <p:spPr>
+          <a:xfrm>
+            <a:off x="3084598" y="1825625"/>
+            <a:ext cx="6022804" cy="4351338"/>
+          </a:xfrm>
+        </p:spPr>
+      </p:pic>
     </p:spTree>
     <p:extLst>
       <p:ext uri="{BB962C8B-B14F-4D97-AF65-F5344CB8AC3E}">
-        <p14:creationId xmlns:p14="http://schemas.microsoft.com/office/powerpoint/2010/main" val="834820805"/>
+        <p14:creationId xmlns:p14="http://schemas.microsoft.com/office/powerpoint/2010/main" val="3796152537"/>
       </p:ext>
     </p:extLst>
   </p:cSld>
@@ -4458,7 +6240,7 @@
           <p:cNvPr id="2" name="Title 1">
             <a:extLst>
               <a:ext uri="{FF2B5EF4-FFF2-40B4-BE49-F238E27FC236}">
-                <a16:creationId xmlns:a16="http://schemas.microsoft.com/office/drawing/2014/main" id="{F11BB6C5-B0BC-284D-B750-03E902999E52}"/>
+                <a16:creationId xmlns:a16="http://schemas.microsoft.com/office/drawing/2014/main" id="{92AD8138-DDCC-9344-9653-60555FFAA265}"/>
               </a:ext>
             </a:extLst>
           </p:cNvPr>
@@ -4476,7 +6258,7 @@
           <a:p>
             <a:r>
               <a:rPr lang="en-US" dirty="0"/>
-              <a:t>Current Status</a:t>
+              <a:t>Minor Enhancements</a:t>
             </a:r>
           </a:p>
         </p:txBody>
@@ -4486,7 +6268,7 @@
           <p:cNvPr id="3" name="Content Placeholder 2">
             <a:extLst>
               <a:ext uri="{FF2B5EF4-FFF2-40B4-BE49-F238E27FC236}">
-                <a16:creationId xmlns:a16="http://schemas.microsoft.com/office/drawing/2014/main" id="{F2711C76-5A4E-C342-B33A-483915423E9F}"/>
+                <a16:creationId xmlns:a16="http://schemas.microsoft.com/office/drawing/2014/main" id="{3FE9B2E6-C4BB-234C-81BB-80AA3CC00F80}"/>
               </a:ext>
             </a:extLst>
           </p:cNvPr>
@@ -4499,90 +6281,71 @@
         </p:nvSpPr>
         <p:spPr/>
         <p:txBody>
-          <a:bodyPr>
-            <a:normAutofit/>
-          </a:bodyPr>
-          <a:lstStyle/>
-          <a:p>
+          <a:bodyPr/>
+          <a:lstStyle/>
+          <a:p>
+            <a:r>
+              <a:rPr lang="en-US" dirty="0"/>
+              <a:t>Updated </a:t>
+            </a:r>
             <a:r>
               <a:rPr lang="en-US" dirty="0" err="1"/>
-              <a:t>Testings</a:t>
+              <a:t>readme.md</a:t>
             </a:r>
             <a:r>
               <a:rPr lang="en-US" dirty="0"/>
-              <a:t> Pending</a:t>
-            </a:r>
-          </a:p>
-          <a:p>
-            <a:pPr lvl="1"/>
+              <a:t> to point to overview</a:t>
+            </a:r>
+          </a:p>
+          <a:p>
             <a:r>
               <a:rPr lang="en-US" dirty="0"/>
-              <a:t>App Load Balancer/Portal</a:t>
+              <a:t>Make region a environment variable</a:t>
             </a:r>
           </a:p>
           <a:p>
             <a:r>
               <a:rPr lang="en-US" dirty="0"/>
-              <a:t>Completed</a:t>
-            </a:r>
-          </a:p>
-          <a:p>
-            <a:pPr lvl="1"/>
+              <a:t>Change default region to Central US</a:t>
+            </a:r>
+          </a:p>
+          <a:p>
             <a:r>
               <a:rPr lang="en-US" dirty="0"/>
-              <a:t>Initial Cloud Provider Test Completed</a:t>
-            </a:r>
-          </a:p>
-          <a:p>
+              <a:t>Change to use </a:t>
+            </a:r>
+            <a:r>
+              <a:rPr lang="en-US" dirty="0" err="1"/>
+              <a:t>rhcos.vhd</a:t>
+            </a:r>
             <a:r>
               <a:rPr lang="en-US" dirty="0"/>
-              <a:t>New Cards</a:t>
-            </a:r>
-          </a:p>
-          <a:p>
-            <a:pPr lvl="1"/>
+              <a:t> internally after copy of image</a:t>
+            </a:r>
+          </a:p>
+          <a:p>
             <a:r>
               <a:rPr lang="en-US" dirty="0"/>
-              <a:t>4.3 – Test Bare Metal – In progress</a:t>
-            </a:r>
-          </a:p>
-          <a:p>
-            <a:pPr lvl="1"/>
+              <a:t>Switch to use </a:t>
+            </a:r>
+            <a:r>
+              <a:rPr lang="en-US" dirty="0" err="1"/>
+              <a:t>ga</a:t>
+            </a:r>
             <a:r>
               <a:rPr lang="en-US" dirty="0"/>
-              <a:t>Introduction/Overview Presentation </a:t>
-            </a:r>
-          </a:p>
-          <a:p>
-            <a:pPr lvl="2"/>
+              <a:t> 4.2 </a:t>
+            </a:r>
+            <a:r>
+              <a:rPr lang="en-US" dirty="0" err="1"/>
+              <a:t>rhcos</a:t>
+            </a:r>
             <a:r>
               <a:rPr lang="en-US" dirty="0"/>
-              <a:t>Include How To various subjects</a:t>
-            </a:r>
-          </a:p>
-          <a:p>
-            <a:pPr lvl="3"/>
-            <a:r>
-              <a:rPr lang="en-US" dirty="0"/>
-              <a:t>Changing Internal IP’s</a:t>
-            </a:r>
-          </a:p>
-          <a:p>
-            <a:pPr lvl="3"/>
-            <a:r>
-              <a:rPr lang="en-US" dirty="0"/>
-              <a:t>Changing Versions</a:t>
-            </a:r>
-          </a:p>
-          <a:p>
-            <a:pPr lvl="3"/>
-            <a:r>
-              <a:rPr lang="en-US" dirty="0"/>
-              <a:t>Adding More Workers</a:t>
-            </a:r>
-          </a:p>
-          <a:p>
-            <a:pPr lvl="3"/>
+              <a:t> image</a:t>
+            </a:r>
+          </a:p>
+          <a:p>
             <a:endParaRPr lang="en-US" dirty="0"/>
           </a:p>
         </p:txBody>
@@ -4590,7 +6353,7 @@
     </p:spTree>
     <p:extLst>
       <p:ext uri="{BB962C8B-B14F-4D97-AF65-F5344CB8AC3E}">
-        <p14:creationId xmlns:p14="http://schemas.microsoft.com/office/powerpoint/2010/main" val="1385610716"/>
+        <p14:creationId xmlns:p14="http://schemas.microsoft.com/office/powerpoint/2010/main" val="834820805"/>
       </p:ext>
     </p:extLst>
   </p:cSld>
@@ -4622,7 +6385,7 @@
           <p:cNvPr id="2" name="Title 1">
             <a:extLst>
               <a:ext uri="{FF2B5EF4-FFF2-40B4-BE49-F238E27FC236}">
-                <a16:creationId xmlns:a16="http://schemas.microsoft.com/office/drawing/2014/main" id="{7A70E280-DC34-3545-B5A9-017811B4F2A1}"/>
+                <a16:creationId xmlns:a16="http://schemas.microsoft.com/office/drawing/2014/main" id="{729F51D3-F382-BD4E-9BC7-3A82FBFE6522}"/>
               </a:ext>
             </a:extLst>
           </p:cNvPr>
@@ -4640,7 +6403,7 @@
           <a:p>
             <a:r>
               <a:rPr lang="en-US" dirty="0"/>
-              <a:t>Resolved Issues</a:t>
+              <a:t>Cloud Provider</a:t>
             </a:r>
           </a:p>
         </p:txBody>
@@ -4650,7 +6413,7 @@
           <p:cNvPr id="3" name="Content Placeholder 2">
             <a:extLst>
               <a:ext uri="{FF2B5EF4-FFF2-40B4-BE49-F238E27FC236}">
-                <a16:creationId xmlns:a16="http://schemas.microsoft.com/office/drawing/2014/main" id="{0342FF54-FC07-5241-9279-725B9F7412D6}"/>
+                <a16:creationId xmlns:a16="http://schemas.microsoft.com/office/drawing/2014/main" id="{D2DF626C-4564-0B43-9EF6-0E485A4836BE}"/>
               </a:ext>
             </a:extLst>
           </p:cNvPr>
@@ -4668,54 +6431,54 @@
           <a:p>
             <a:r>
               <a:rPr lang="en-US" dirty="0"/>
-              <a:t>Resolved Issues</a:t>
-            </a:r>
-          </a:p>
-          <a:p>
-            <a:pPr lvl="1"/>
+              <a:t>Switch to use user-assigned identity</a:t>
+            </a:r>
+          </a:p>
+          <a:p>
             <a:r>
               <a:rPr lang="en-US" dirty="0"/>
-              <a:t>SSH Not Working to masters – </a:t>
+              <a:t>Change the version for </a:t>
             </a:r>
             <a:r>
               <a:rPr lang="en-US" dirty="0" err="1"/>
-              <a:t>ssh</a:t>
+              <a:t>vm</a:t>
             </a:r>
             <a:r>
               <a:rPr lang="en-US" dirty="0"/>
-              <a:t> key had extraneous character</a:t>
-            </a:r>
-          </a:p>
-          <a:p>
-            <a:pPr lvl="1"/>
+              <a:t> api version to 2018-06-01</a:t>
+            </a:r>
+          </a:p>
+          <a:p>
             <a:r>
               <a:rPr lang="en-US" dirty="0"/>
-              <a:t>Masters Not Booting – DNS Address Issue Fixed</a:t>
-            </a:r>
-          </a:p>
-          <a:p>
+              <a:t>Add in to </a:t>
+            </a:r>
+            <a:r>
+              <a:rPr lang="en-US" dirty="0" err="1"/>
+              <a:t>azsetup</a:t>
+            </a:r>
             <a:r>
               <a:rPr lang="en-US" dirty="0"/>
-              <a:t>Blockers</a:t>
-            </a:r>
-          </a:p>
-          <a:p>
-            <a:pPr lvl="1"/>
+              <a:t> the creation of the </a:t>
+            </a:r>
+            <a:r>
+              <a:rPr lang="en-US" dirty="0" err="1"/>
+              <a:t>userid</a:t>
+            </a:r>
+            <a:endParaRPr lang="en-US" dirty="0"/>
+          </a:p>
+          <a:p>
             <a:r>
               <a:rPr lang="en-US" dirty="0"/>
-              <a:t>Azure Quota – Requested yesterday – Still not resolved</a:t>
-            </a:r>
-          </a:p>
-          <a:p>
-            <a:pPr marL="0" indent="0">
-              <a:buNone/>
-            </a:pPr>
-            <a:endParaRPr lang="en-US" dirty="0"/>
-          </a:p>
-          <a:p>
-            <a:pPr marL="0" indent="0">
-              <a:buNone/>
-            </a:pPr>
+              <a:t>Added in login in to service principle via </a:t>
+            </a:r>
+            <a:r>
+              <a:rPr lang="en-US" dirty="0" err="1"/>
+              <a:t>osServicePrinciple.json</a:t>
+            </a:r>
+            <a:endParaRPr lang="en-US" dirty="0"/>
+          </a:p>
+          <a:p>
             <a:endParaRPr lang="en-US" dirty="0"/>
           </a:p>
         </p:txBody>
@@ -4723,7 +6486,7 @@
     </p:spTree>
     <p:extLst>
       <p:ext uri="{BB962C8B-B14F-4D97-AF65-F5344CB8AC3E}">
-        <p14:creationId xmlns:p14="http://schemas.microsoft.com/office/powerpoint/2010/main" val="672908473"/>
+        <p14:creationId xmlns:p14="http://schemas.microsoft.com/office/powerpoint/2010/main" val="1459705912"/>
       </p:ext>
     </p:extLst>
   </p:cSld>
